--- a/Präsentation/Pyduino-LinksRechts.pptx
+++ b/Präsentation/Pyduino-LinksRechts.pptx
@@ -5,11 +5,10 @@
     <p:sldMasterId id="2147483648" r:id="rId1"/>
   </p:sldMasterIdLst>
   <p:notesMasterIdLst>
-    <p:notesMasterId r:id="rId4"/>
+    <p:notesMasterId r:id="rId3"/>
   </p:notesMasterIdLst>
   <p:sldIdLst>
-    <p:sldId id="257" r:id="rId2"/>
-    <p:sldId id="258" r:id="rId3"/>
+    <p:sldId id="258" r:id="rId2"/>
   </p:sldIdLst>
   <p:sldSz cx="25199975" cy="42795825"/>
   <p:notesSz cx="6858000" cy="9144000"/>
@@ -108,6 +107,11 @@
       </a:defRPr>
     </a:lvl9pPr>
   </p:defaultTextStyle>
+  <p:extLst>
+    <p:ext uri="{EFAFB233-063F-42B5-8137-9DF3F51BA10A}">
+      <p15:sldGuideLst xmlns:p15="http://schemas.microsoft.com/office/powerpoint/2012/main"/>
+    </p:ext>
+  </p:extLst>
 </p:presentation>
 </file>
 
@@ -257,7 +261,7 @@
             <a:fld id="{5E3724A4-EFDA-48EC-BDF3-949E0955D1F2}" type="datetime1">
               <a:rPr lang="de-DE"/>
               <a:pPr lvl="0"/>
-              <a:t>23.02.2023</a:t>
+              <a:t>20.03.2023</a:t>
             </a:fld>
             <a:endParaRPr lang="de-DE"/>
           </a:p>
@@ -645,146 +649,6 @@
 </p:notesMaster>
 </file>
 
-<file path=ppt/notesSlides/notesSlide1.xml><?xml version="1.0" encoding="utf-8"?>
-<p:notes xmlns:a="http://schemas.openxmlformats.org/drawingml/2006/main" xmlns:r="http://schemas.openxmlformats.org/officeDocument/2006/relationships" xmlns:p="http://schemas.openxmlformats.org/presentationml/2006/main">
-  <p:cSld>
-    <p:spTree>
-      <p:nvGrpSpPr>
-        <p:cNvPr id="1" name=""/>
-        <p:cNvGrpSpPr/>
-        <p:nvPr/>
-      </p:nvGrpSpPr>
-      <p:grpSpPr>
-        <a:xfrm>
-          <a:off x="0" y="0"/>
-          <a:ext cx="0" cy="0"/>
-          <a:chOff x="0" y="0"/>
-          <a:chExt cx="0" cy="0"/>
-        </a:xfrm>
-      </p:grpSpPr>
-      <p:sp>
-        <p:nvSpPr>
-          <p:cNvPr id="2" name="Folienbildplatzhalter 1">
-            <a:extLst>
-              <a:ext uri="{FF2B5EF4-FFF2-40B4-BE49-F238E27FC236}">
-                <a16:creationId xmlns:a16="http://schemas.microsoft.com/office/drawing/2014/main" id="{15EBD331-6C6C-D984-49D6-11A287FFD6F7}"/>
-              </a:ext>
-            </a:extLst>
-          </p:cNvPr>
-          <p:cNvSpPr>
-            <a:spLocks noGrp="1" noRot="1" noChangeAspect="1"/>
-          </p:cNvSpPr>
-          <p:nvPr>
-            <p:ph type="sldImg"/>
-          </p:nvPr>
-        </p:nvSpPr>
-        <p:spPr>
-          <a:xfrm>
-            <a:off x="2520950" y="1143000"/>
-            <a:ext cx="1816100" cy="3086100"/>
-          </a:xfrm>
-        </p:spPr>
-      </p:sp>
-      <p:sp>
-        <p:nvSpPr>
-          <p:cNvPr id="3" name="Notizenplatzhalter 2">
-            <a:extLst>
-              <a:ext uri="{FF2B5EF4-FFF2-40B4-BE49-F238E27FC236}">
-                <a16:creationId xmlns:a16="http://schemas.microsoft.com/office/drawing/2014/main" id="{358E8987-4962-D18F-59CC-764A43D56F31}"/>
-              </a:ext>
-            </a:extLst>
-          </p:cNvPr>
-          <p:cNvSpPr txBox="1">
-            <a:spLocks noGrp="1"/>
-          </p:cNvSpPr>
-          <p:nvPr>
-            <p:ph type="body" sz="quarter" idx="1"/>
-          </p:nvPr>
-        </p:nvSpPr>
-        <p:spPr/>
-        <p:txBody>
-          <a:bodyPr/>
-          <a:lstStyle/>
-          <a:p>
-            <a:pPr lvl="0"/>
-            <a:r>
-              <a:rPr lang="de-DE"/>
-              <a:t>Linke seite</a:t>
-            </a:r>
-          </a:p>
-        </p:txBody>
-      </p:sp>
-      <p:sp>
-        <p:nvSpPr>
-          <p:cNvPr id="4" name="Foliennummernplatzhalter 3">
-            <a:extLst>
-              <a:ext uri="{FF2B5EF4-FFF2-40B4-BE49-F238E27FC236}">
-                <a16:creationId xmlns:a16="http://schemas.microsoft.com/office/drawing/2014/main" id="{CBD6BBB0-F136-9E08-47D5-687A8B6664AD}"/>
-              </a:ext>
-            </a:extLst>
-          </p:cNvPr>
-          <p:cNvSpPr txBox="1"/>
-          <p:nvPr/>
-        </p:nvSpPr>
-        <p:spPr>
-          <a:xfrm>
-            <a:off x="3884608" y="8685208"/>
-            <a:ext cx="2971800" cy="458791"/>
-          </a:xfrm>
-          <a:prstGeom prst="rect">
-            <a:avLst/>
-          </a:prstGeom>
-          <a:noFill/>
-          <a:ln cap="flat">
-            <a:noFill/>
-          </a:ln>
-        </p:spPr>
-        <p:txBody>
-          <a:bodyPr vert="horz" wrap="square" lIns="91440" tIns="45720" rIns="91440" bIns="45720" anchor="b" anchorCtr="0" compatLnSpc="1">
-            <a:noAutofit/>
-          </a:bodyPr>
-          <a:lstStyle/>
-          <a:p>
-            <a:pPr marL="0" marR="0" lvl="0" indent="0" algn="r" defTabSz="457200" rtl="0" fontAlgn="auto" hangingPunct="1">
-              <a:lnSpc>
-                <a:spcPct val="100000"/>
-              </a:lnSpc>
-              <a:spcBef>
-                <a:spcPts val="0"/>
-              </a:spcBef>
-              <a:spcAft>
-                <a:spcPts val="0"/>
-              </a:spcAft>
-              <a:buNone/>
-              <a:tabLst/>
-              <a:defRPr sz="1800" b="0" i="0" u="none" strike="noStrike" kern="0" cap="none" spc="0" baseline="0">
-                <a:solidFill>
-                  <a:srgbClr val="000000"/>
-                </a:solidFill>
-                <a:uFillTx/>
-              </a:defRPr>
-            </a:pPr>
-            <a:fld id="{9A5BFB2D-A182-4C71-9962-A74C77AD7BFE}" type="slidenum">
-              <a:t>1</a:t>
-            </a:fld>
-            <a:endParaRPr lang="de-DE" sz="1200" b="0" i="0" u="none" strike="noStrike" kern="1200" cap="none" spc="0" baseline="0">
-              <a:solidFill>
-                <a:srgbClr val="000000"/>
-              </a:solidFill>
-              <a:uFillTx/>
-              <a:latin typeface="Calibri"/>
-            </a:endParaRPr>
-          </a:p>
-        </p:txBody>
-      </p:sp>
-    </p:spTree>
-  </p:cSld>
-  <p:clrMapOvr>
-    <a:masterClrMapping/>
-  </p:clrMapOvr>
-</p:notes>
-</file>
-
 <file path=ppt/slideLayouts/slideLayout1.xml><?xml version="1.0" encoding="utf-8"?>
 <p:sldLayout xmlns:a="http://schemas.openxmlformats.org/drawingml/2006/main" xmlns:r="http://schemas.openxmlformats.org/officeDocument/2006/relationships" xmlns:p="http://schemas.openxmlformats.org/presentationml/2006/main" type="title" preserve="1">
   <p:cSld name="Titelfolie">
@@ -910,7 +774,7 @@
             <a:fld id="{8C8AE8BA-3C79-45FA-82A4-EA84639BFAD6}" type="datetime1">
               <a:rPr lang="de-DE"/>
               <a:pPr lvl="0"/>
-              <a:t>23.02.2023</a:t>
+              <a:t>20.03.2023</a:t>
             </a:fld>
             <a:endParaRPr lang="de-DE"/>
           </a:p>
@@ -1146,7 +1010,7 @@
             <a:fld id="{DE2FD683-FCCC-4A68-9EB5-7794362933B7}" type="datetime1">
               <a:rPr lang="de-DE"/>
               <a:pPr lvl="0"/>
-              <a:t>23.02.2023</a:t>
+              <a:t>20.03.2023</a:t>
             </a:fld>
             <a:endParaRPr lang="de-DE"/>
           </a:p>
@@ -1392,7 +1256,7 @@
             <a:fld id="{DB9D8D36-D0E3-4EA7-9A1C-A96BEED9DE0F}" type="datetime1">
               <a:rPr lang="de-DE"/>
               <a:pPr lvl="0"/>
-              <a:t>23.02.2023</a:t>
+              <a:t>20.03.2023</a:t>
             </a:fld>
             <a:endParaRPr lang="de-DE"/>
           </a:p>
@@ -1628,7 +1492,7 @@
             <a:fld id="{3A5D1977-2D4B-4C02-A2DF-0B71165FEB9B}" type="datetime1">
               <a:rPr lang="de-DE"/>
               <a:pPr lvl="0"/>
-              <a:t>23.02.2023</a:t>
+              <a:t>20.03.2023</a:t>
             </a:fld>
             <a:endParaRPr lang="de-DE"/>
           </a:p>
@@ -1835,7 +1699,7 @@
             <a:fld id="{523A128C-3430-409F-8F08-C358E2ED629D}" type="datetime1">
               <a:rPr lang="de-DE"/>
               <a:pPr lvl="0"/>
-              <a:t>23.02.2023</a:t>
+              <a:t>20.03.2023</a:t>
             </a:fld>
             <a:endParaRPr lang="de-DE"/>
           </a:p>
@@ -2155,7 +2019,7 @@
             <a:fld id="{A8BA64DF-1342-4462-BDCE-810F56D399B2}" type="datetime1">
               <a:rPr lang="de-DE"/>
               <a:pPr lvl="0"/>
-              <a:t>23.02.2023</a:t>
+              <a:t>20.03.2023</a:t>
             </a:fld>
             <a:endParaRPr lang="de-DE"/>
           </a:p>
@@ -2558,7 +2422,7 @@
             <a:fld id="{FF1C5782-EE6E-4277-9EFB-9FACAFEF08DC}" type="datetime1">
               <a:rPr lang="de-DE"/>
               <a:pPr lvl="0"/>
-              <a:t>23.02.2023</a:t>
+              <a:t>20.03.2023</a:t>
             </a:fld>
             <a:endParaRPr lang="de-DE"/>
           </a:p>
@@ -2720,7 +2584,7 @@
             <a:fld id="{2765D3BF-947D-4A52-9DD5-61967E9BFEAC}" type="datetime1">
               <a:rPr lang="de-DE"/>
               <a:pPr lvl="0"/>
-              <a:t>23.02.2023</a:t>
+              <a:t>20.03.2023</a:t>
             </a:fld>
             <a:endParaRPr lang="de-DE"/>
           </a:p>
@@ -2848,7 +2712,7 @@
             <a:fld id="{FC467411-B246-41EA-B91F-535A6F86689D}" type="datetime1">
               <a:rPr lang="de-DE"/>
               <a:pPr lvl="0"/>
-              <a:t>23.02.2023</a:t>
+              <a:t>20.03.2023</a:t>
             </a:fld>
             <a:endParaRPr lang="de-DE"/>
           </a:p>
@@ -3133,7 +2997,7 @@
             <a:fld id="{C4A41573-1D12-4D96-AB5F-B2F76632E601}" type="datetime1">
               <a:rPr lang="de-DE"/>
               <a:pPr lvl="0"/>
-              <a:t>23.02.2023</a:t>
+              <a:t>20.03.2023</a:t>
             </a:fld>
             <a:endParaRPr lang="de-DE"/>
           </a:p>
@@ -3379,7 +3243,7 @@
             <a:fld id="{A0E99CC1-F47C-4B0B-A4D0-ECE6D96C323F}" type="datetime1">
               <a:rPr lang="de-DE"/>
               <a:pPr lvl="0"/>
-              <a:t>23.02.2023</a:t>
+              <a:t>20.03.2023</a:t>
             </a:fld>
             <a:endParaRPr lang="de-DE"/>
           </a:p>
@@ -3662,7 +3526,7 @@
             <a:fld id="{26359DA7-7DC4-41CE-AEF1-833CCEA04E9F}" type="datetime1">
               <a:rPr lang="de-DE"/>
               <a:pPr lvl="0"/>
-              <a:t>23.02.2023</a:t>
+              <a:t>20.03.2023</a:t>
             </a:fld>
             <a:endParaRPr lang="de-DE"/>
           </a:p>
@@ -4117,2225 +3981,6 @@
 
 <file path=ppt/slides/slide1.xml><?xml version="1.0" encoding="utf-8"?>
 <p:sld xmlns:a="http://schemas.openxmlformats.org/drawingml/2006/main" xmlns:r="http://schemas.openxmlformats.org/officeDocument/2006/relationships" xmlns:p="http://schemas.openxmlformats.org/presentationml/2006/main">
-  <p:cSld name="Slide2">
-    <p:spTree>
-      <p:nvGrpSpPr>
-        <p:cNvPr id="1" name=""/>
-        <p:cNvGrpSpPr/>
-        <p:nvPr/>
-      </p:nvGrpSpPr>
-      <p:grpSpPr>
-        <a:xfrm>
-          <a:off x="0" y="0"/>
-          <a:ext cx="0" cy="0"/>
-          <a:chOff x="0" y="0"/>
-          <a:chExt cx="0" cy="0"/>
-        </a:xfrm>
-      </p:grpSpPr>
-      <p:sp>
-        <p:nvSpPr>
-          <p:cNvPr id="5" name="Rechteck: abgerundete Ecken 32">
-            <a:extLst>
-              <a:ext uri="{FF2B5EF4-FFF2-40B4-BE49-F238E27FC236}">
-                <a16:creationId xmlns:a16="http://schemas.microsoft.com/office/drawing/2014/main" id="{F0A5A125-4F61-6294-1DA7-56C96F4AB83C}"/>
-              </a:ext>
-            </a:extLst>
-          </p:cNvPr>
-          <p:cNvSpPr/>
-          <p:nvPr/>
-        </p:nvSpPr>
-        <p:spPr>
-          <a:xfrm>
-            <a:off x="4758958" y="1119710"/>
-            <a:ext cx="15794184" cy="1551005"/>
-          </a:xfrm>
-          <a:custGeom>
-            <a:avLst>
-              <a:gd name="f0" fmla="val 5606"/>
-            </a:avLst>
-            <a:gdLst>
-              <a:gd name="f1" fmla="val 10800000"/>
-              <a:gd name="f2" fmla="val 5400000"/>
-              <a:gd name="f3" fmla="val 16200000"/>
-              <a:gd name="f4" fmla="val w"/>
-              <a:gd name="f5" fmla="val h"/>
-              <a:gd name="f6" fmla="val ss"/>
-              <a:gd name="f7" fmla="val 0"/>
-              <a:gd name="f8" fmla="*/ 5419351 1 1725033"/>
-              <a:gd name="f9" fmla="val 45"/>
-              <a:gd name="f10" fmla="val 10800"/>
-              <a:gd name="f11" fmla="val -2147483647"/>
-              <a:gd name="f12" fmla="val 2147483647"/>
-              <a:gd name="f13" fmla="abs f4"/>
-              <a:gd name="f14" fmla="abs f5"/>
-              <a:gd name="f15" fmla="abs f6"/>
-              <a:gd name="f16" fmla="*/ f8 1 180"/>
-              <a:gd name="f17" fmla="pin 0 f0 10800"/>
-              <a:gd name="f18" fmla="+- 0 0 f2"/>
-              <a:gd name="f19" fmla="?: f13 f4 1"/>
-              <a:gd name="f20" fmla="?: f14 f5 1"/>
-              <a:gd name="f21" fmla="?: f15 f6 1"/>
-              <a:gd name="f22" fmla="*/ f9 f16 1"/>
-              <a:gd name="f23" fmla="+- f7 f17 0"/>
-              <a:gd name="f24" fmla="*/ f19 1 21600"/>
-              <a:gd name="f25" fmla="*/ f20 1 21600"/>
-              <a:gd name="f26" fmla="*/ 21600 f19 1"/>
-              <a:gd name="f27" fmla="*/ 21600 f20 1"/>
-              <a:gd name="f28" fmla="+- 0 0 f22"/>
-              <a:gd name="f29" fmla="min f25 f24"/>
-              <a:gd name="f30" fmla="*/ f26 1 f21"/>
-              <a:gd name="f31" fmla="*/ f27 1 f21"/>
-              <a:gd name="f32" fmla="*/ f28 f1 1"/>
-              <a:gd name="f33" fmla="*/ f32 1 f8"/>
-              <a:gd name="f34" fmla="+- f31 0 f17"/>
-              <a:gd name="f35" fmla="+- f30 0 f17"/>
-              <a:gd name="f36" fmla="*/ f17 f29 1"/>
-              <a:gd name="f37" fmla="*/ f7 f29 1"/>
-              <a:gd name="f38" fmla="*/ f23 f29 1"/>
-              <a:gd name="f39" fmla="*/ f31 f29 1"/>
-              <a:gd name="f40" fmla="*/ f30 f29 1"/>
-              <a:gd name="f41" fmla="+- f33 0 f2"/>
-              <a:gd name="f42" fmla="+- f37 0 f38"/>
-              <a:gd name="f43" fmla="+- f38 0 f37"/>
-              <a:gd name="f44" fmla="*/ f34 f29 1"/>
-              <a:gd name="f45" fmla="*/ f35 f29 1"/>
-              <a:gd name="f46" fmla="cos 1 f41"/>
-              <a:gd name="f47" fmla="abs f42"/>
-              <a:gd name="f48" fmla="abs f43"/>
-              <a:gd name="f49" fmla="?: f42 f18 f2"/>
-              <a:gd name="f50" fmla="?: f42 f2 f18"/>
-              <a:gd name="f51" fmla="?: f42 f3 f2"/>
-              <a:gd name="f52" fmla="?: f42 f2 f3"/>
-              <a:gd name="f53" fmla="+- f39 0 f44"/>
-              <a:gd name="f54" fmla="?: f43 f18 f2"/>
-              <a:gd name="f55" fmla="?: f43 f2 f18"/>
-              <a:gd name="f56" fmla="+- f40 0 f45"/>
-              <a:gd name="f57" fmla="+- f44 0 f39"/>
-              <a:gd name="f58" fmla="+- f45 0 f40"/>
-              <a:gd name="f59" fmla="?: f42 0 f1"/>
-              <a:gd name="f60" fmla="?: f42 f1 0"/>
-              <a:gd name="f61" fmla="+- 0 0 f46"/>
-              <a:gd name="f62" fmla="?: f42 f52 f51"/>
-              <a:gd name="f63" fmla="?: f42 f51 f52"/>
-              <a:gd name="f64" fmla="?: f43 f50 f49"/>
-              <a:gd name="f65" fmla="abs f53"/>
-              <a:gd name="f66" fmla="?: f53 0 f1"/>
-              <a:gd name="f67" fmla="?: f53 f1 0"/>
-              <a:gd name="f68" fmla="?: f53 f54 f55"/>
-              <a:gd name="f69" fmla="abs f56"/>
-              <a:gd name="f70" fmla="abs f57"/>
-              <a:gd name="f71" fmla="?: f56 f18 f2"/>
-              <a:gd name="f72" fmla="?: f56 f2 f18"/>
-              <a:gd name="f73" fmla="?: f56 f3 f2"/>
-              <a:gd name="f74" fmla="?: f56 f2 f3"/>
-              <a:gd name="f75" fmla="abs f58"/>
-              <a:gd name="f76" fmla="?: f58 f18 f2"/>
-              <a:gd name="f77" fmla="?: f58 f2 f18"/>
-              <a:gd name="f78" fmla="?: f58 f60 f59"/>
-              <a:gd name="f79" fmla="?: f58 f59 f60"/>
-              <a:gd name="f80" fmla="*/ f17 f61 1"/>
-              <a:gd name="f81" fmla="?: f43 f63 f62"/>
-              <a:gd name="f82" fmla="?: f43 f67 f66"/>
-              <a:gd name="f83" fmla="?: f43 f66 f67"/>
-              <a:gd name="f84" fmla="?: f56 f74 f73"/>
-              <a:gd name="f85" fmla="?: f56 f73 f74"/>
-              <a:gd name="f86" fmla="?: f57 f72 f71"/>
-              <a:gd name="f87" fmla="?: f42 f78 f79"/>
-              <a:gd name="f88" fmla="?: f42 f76 f77"/>
-              <a:gd name="f89" fmla="*/ f80 3163 1"/>
-              <a:gd name="f90" fmla="?: f53 f82 f83"/>
-              <a:gd name="f91" fmla="?: f57 f85 f84"/>
-              <a:gd name="f92" fmla="*/ f89 1 7636"/>
-              <a:gd name="f93" fmla="+- f7 f92 0"/>
-              <a:gd name="f94" fmla="+- f30 0 f92"/>
-              <a:gd name="f95" fmla="+- f31 0 f92"/>
-              <a:gd name="f96" fmla="*/ f93 f29 1"/>
-              <a:gd name="f97" fmla="*/ f94 f29 1"/>
-              <a:gd name="f98" fmla="*/ f95 f29 1"/>
-            </a:gdLst>
-            <a:ahLst>
-              <a:ahXY gdRefX="f0" minX="f7" maxX="f10">
-                <a:pos x="f36" y="f37"/>
-              </a:ahXY>
-            </a:ahLst>
-            <a:cxnLst>
-              <a:cxn ang="3cd4">
-                <a:pos x="hc" y="t"/>
-              </a:cxn>
-              <a:cxn ang="0">
-                <a:pos x="r" y="vc"/>
-              </a:cxn>
-              <a:cxn ang="cd4">
-                <a:pos x="hc" y="b"/>
-              </a:cxn>
-              <a:cxn ang="cd2">
-                <a:pos x="l" y="vc"/>
-              </a:cxn>
-            </a:cxnLst>
-            <a:rect l="f96" t="f96" r="f97" b="f98"/>
-            <a:pathLst>
-              <a:path>
-                <a:moveTo>
-                  <a:pt x="f38" y="f37"/>
-                </a:moveTo>
-                <a:arcTo wR="f47" hR="f48" stAng="f81" swAng="f64"/>
-                <a:lnTo>
-                  <a:pt x="f37" y="f44"/>
-                </a:lnTo>
-                <a:arcTo wR="f48" hR="f65" stAng="f90" swAng="f68"/>
-                <a:lnTo>
-                  <a:pt x="f45" y="f39"/>
-                </a:lnTo>
-                <a:arcTo wR="f69" hR="f70" stAng="f91" swAng="f86"/>
-                <a:lnTo>
-                  <a:pt x="f40" y="f38"/>
-                </a:lnTo>
-                <a:arcTo wR="f75" hR="f47" stAng="f87" swAng="f88"/>
-                <a:close/>
-              </a:path>
-            </a:pathLst>
-          </a:custGeom>
-          <a:noFill/>
-          <a:ln w="127001" cap="flat">
-            <a:solidFill>
-              <a:srgbClr val="29BAC1"/>
-            </a:solidFill>
-            <a:prstDash val="solid"/>
-            <a:miter/>
-          </a:ln>
-        </p:spPr>
-        <p:txBody>
-          <a:bodyPr vert="horz" wrap="square" lIns="91440" tIns="45720" rIns="91440" bIns="45720" anchor="ctr" anchorCtr="1" compatLnSpc="1">
-            <a:noAutofit/>
-          </a:bodyPr>
-          <a:lstStyle/>
-          <a:p>
-            <a:pPr marL="0" marR="0" lvl="0" indent="0" algn="ctr" defTabSz="457200" rtl="0" fontAlgn="auto" hangingPunct="1">
-              <a:lnSpc>
-                <a:spcPct val="100000"/>
-              </a:lnSpc>
-              <a:spcBef>
-                <a:spcPts val="0"/>
-              </a:spcBef>
-              <a:spcAft>
-                <a:spcPts val="0"/>
-              </a:spcAft>
-              <a:buNone/>
-              <a:tabLst/>
-              <a:defRPr sz="1800" b="0" i="0" u="none" strike="noStrike" kern="0" cap="none" spc="0" baseline="0">
-                <a:solidFill>
-                  <a:srgbClr val="000000"/>
-                </a:solidFill>
-                <a:uFillTx/>
-              </a:defRPr>
-            </a:pPr>
-            <a:r>
-              <a:rPr lang="de-DE" sz="10000" b="0" i="0" u="none" strike="noStrike" kern="1200" cap="none" spc="0" baseline="0">
-                <a:solidFill>
-                  <a:srgbClr val="000000"/>
-                </a:solidFill>
-                <a:uFillTx/>
-                <a:latin typeface="Calibri"/>
-              </a:rPr>
-              <a:t>Ablauf – so arbeitet Pyduino </a:t>
-            </a:r>
-          </a:p>
-        </p:txBody>
-      </p:sp>
-      <p:sp>
-        <p:nvSpPr>
-          <p:cNvPr id="6" name="Rechteck: abgerundete Ecken 33">
-            <a:extLst>
-              <a:ext uri="{FF2B5EF4-FFF2-40B4-BE49-F238E27FC236}">
-                <a16:creationId xmlns:a16="http://schemas.microsoft.com/office/drawing/2014/main" id="{8390EB77-313C-14BC-72F4-EF763DF2B6FE}"/>
-              </a:ext>
-            </a:extLst>
-          </p:cNvPr>
-          <p:cNvSpPr/>
-          <p:nvPr/>
-        </p:nvSpPr>
-        <p:spPr>
-          <a:xfrm>
-            <a:off x="1141842" y="3702384"/>
-            <a:ext cx="22916281" cy="1551005"/>
-          </a:xfrm>
-          <a:custGeom>
-            <a:avLst>
-              <a:gd name="f0" fmla="val 3600"/>
-            </a:avLst>
-            <a:gdLst>
-              <a:gd name="f1" fmla="val 10800000"/>
-              <a:gd name="f2" fmla="val 5400000"/>
-              <a:gd name="f3" fmla="val 16200000"/>
-              <a:gd name="f4" fmla="val w"/>
-              <a:gd name="f5" fmla="val h"/>
-              <a:gd name="f6" fmla="val ss"/>
-              <a:gd name="f7" fmla="val 0"/>
-              <a:gd name="f8" fmla="*/ 5419351 1 1725033"/>
-              <a:gd name="f9" fmla="val 45"/>
-              <a:gd name="f10" fmla="val 10800"/>
-              <a:gd name="f11" fmla="val -2147483647"/>
-              <a:gd name="f12" fmla="val 2147483647"/>
-              <a:gd name="f13" fmla="abs f4"/>
-              <a:gd name="f14" fmla="abs f5"/>
-              <a:gd name="f15" fmla="abs f6"/>
-              <a:gd name="f16" fmla="*/ f8 1 180"/>
-              <a:gd name="f17" fmla="pin 0 f0 10800"/>
-              <a:gd name="f18" fmla="+- 0 0 f2"/>
-              <a:gd name="f19" fmla="?: f13 f4 1"/>
-              <a:gd name="f20" fmla="?: f14 f5 1"/>
-              <a:gd name="f21" fmla="?: f15 f6 1"/>
-              <a:gd name="f22" fmla="*/ f9 f16 1"/>
-              <a:gd name="f23" fmla="+- f7 f17 0"/>
-              <a:gd name="f24" fmla="*/ f19 1 21600"/>
-              <a:gd name="f25" fmla="*/ f20 1 21600"/>
-              <a:gd name="f26" fmla="*/ 21600 f19 1"/>
-              <a:gd name="f27" fmla="*/ 21600 f20 1"/>
-              <a:gd name="f28" fmla="+- 0 0 f22"/>
-              <a:gd name="f29" fmla="min f25 f24"/>
-              <a:gd name="f30" fmla="*/ f26 1 f21"/>
-              <a:gd name="f31" fmla="*/ f27 1 f21"/>
-              <a:gd name="f32" fmla="*/ f28 f1 1"/>
-              <a:gd name="f33" fmla="*/ f32 1 f8"/>
-              <a:gd name="f34" fmla="+- f31 0 f17"/>
-              <a:gd name="f35" fmla="+- f30 0 f17"/>
-              <a:gd name="f36" fmla="*/ f17 f29 1"/>
-              <a:gd name="f37" fmla="*/ f7 f29 1"/>
-              <a:gd name="f38" fmla="*/ f23 f29 1"/>
-              <a:gd name="f39" fmla="*/ f31 f29 1"/>
-              <a:gd name="f40" fmla="*/ f30 f29 1"/>
-              <a:gd name="f41" fmla="+- f33 0 f2"/>
-              <a:gd name="f42" fmla="+- f37 0 f38"/>
-              <a:gd name="f43" fmla="+- f38 0 f37"/>
-              <a:gd name="f44" fmla="*/ f34 f29 1"/>
-              <a:gd name="f45" fmla="*/ f35 f29 1"/>
-              <a:gd name="f46" fmla="cos 1 f41"/>
-              <a:gd name="f47" fmla="abs f42"/>
-              <a:gd name="f48" fmla="abs f43"/>
-              <a:gd name="f49" fmla="?: f42 f18 f2"/>
-              <a:gd name="f50" fmla="?: f42 f2 f18"/>
-              <a:gd name="f51" fmla="?: f42 f3 f2"/>
-              <a:gd name="f52" fmla="?: f42 f2 f3"/>
-              <a:gd name="f53" fmla="+- f39 0 f44"/>
-              <a:gd name="f54" fmla="?: f43 f18 f2"/>
-              <a:gd name="f55" fmla="?: f43 f2 f18"/>
-              <a:gd name="f56" fmla="+- f40 0 f45"/>
-              <a:gd name="f57" fmla="+- f44 0 f39"/>
-              <a:gd name="f58" fmla="+- f45 0 f40"/>
-              <a:gd name="f59" fmla="?: f42 0 f1"/>
-              <a:gd name="f60" fmla="?: f42 f1 0"/>
-              <a:gd name="f61" fmla="+- 0 0 f46"/>
-              <a:gd name="f62" fmla="?: f42 f52 f51"/>
-              <a:gd name="f63" fmla="?: f42 f51 f52"/>
-              <a:gd name="f64" fmla="?: f43 f50 f49"/>
-              <a:gd name="f65" fmla="abs f53"/>
-              <a:gd name="f66" fmla="?: f53 0 f1"/>
-              <a:gd name="f67" fmla="?: f53 f1 0"/>
-              <a:gd name="f68" fmla="?: f53 f54 f55"/>
-              <a:gd name="f69" fmla="abs f56"/>
-              <a:gd name="f70" fmla="abs f57"/>
-              <a:gd name="f71" fmla="?: f56 f18 f2"/>
-              <a:gd name="f72" fmla="?: f56 f2 f18"/>
-              <a:gd name="f73" fmla="?: f56 f3 f2"/>
-              <a:gd name="f74" fmla="?: f56 f2 f3"/>
-              <a:gd name="f75" fmla="abs f58"/>
-              <a:gd name="f76" fmla="?: f58 f18 f2"/>
-              <a:gd name="f77" fmla="?: f58 f2 f18"/>
-              <a:gd name="f78" fmla="?: f58 f60 f59"/>
-              <a:gd name="f79" fmla="?: f58 f59 f60"/>
-              <a:gd name="f80" fmla="*/ f17 f61 1"/>
-              <a:gd name="f81" fmla="?: f43 f63 f62"/>
-              <a:gd name="f82" fmla="?: f43 f67 f66"/>
-              <a:gd name="f83" fmla="?: f43 f66 f67"/>
-              <a:gd name="f84" fmla="?: f56 f74 f73"/>
-              <a:gd name="f85" fmla="?: f56 f73 f74"/>
-              <a:gd name="f86" fmla="?: f57 f72 f71"/>
-              <a:gd name="f87" fmla="?: f42 f78 f79"/>
-              <a:gd name="f88" fmla="?: f42 f76 f77"/>
-              <a:gd name="f89" fmla="*/ f80 3163 1"/>
-              <a:gd name="f90" fmla="?: f53 f82 f83"/>
-              <a:gd name="f91" fmla="?: f57 f85 f84"/>
-              <a:gd name="f92" fmla="*/ f89 1 7636"/>
-              <a:gd name="f93" fmla="+- f7 f92 0"/>
-              <a:gd name="f94" fmla="+- f30 0 f92"/>
-              <a:gd name="f95" fmla="+- f31 0 f92"/>
-              <a:gd name="f96" fmla="*/ f93 f29 1"/>
-              <a:gd name="f97" fmla="*/ f94 f29 1"/>
-              <a:gd name="f98" fmla="*/ f95 f29 1"/>
-            </a:gdLst>
-            <a:ahLst>
-              <a:ahXY gdRefX="f0" minX="f7" maxX="f10">
-                <a:pos x="f36" y="f37"/>
-              </a:ahXY>
-            </a:ahLst>
-            <a:cxnLst>
-              <a:cxn ang="3cd4">
-                <a:pos x="hc" y="t"/>
-              </a:cxn>
-              <a:cxn ang="0">
-                <a:pos x="r" y="vc"/>
-              </a:cxn>
-              <a:cxn ang="cd4">
-                <a:pos x="hc" y="b"/>
-              </a:cxn>
-              <a:cxn ang="cd2">
-                <a:pos x="l" y="vc"/>
-              </a:cxn>
-            </a:cxnLst>
-            <a:rect l="f96" t="f96" r="f97" b="f98"/>
-            <a:pathLst>
-              <a:path>
-                <a:moveTo>
-                  <a:pt x="f38" y="f37"/>
-                </a:moveTo>
-                <a:arcTo wR="f47" hR="f48" stAng="f81" swAng="f64"/>
-                <a:lnTo>
-                  <a:pt x="f37" y="f44"/>
-                </a:lnTo>
-                <a:arcTo wR="f48" hR="f65" stAng="f90" swAng="f68"/>
-                <a:lnTo>
-                  <a:pt x="f45" y="f39"/>
-                </a:lnTo>
-                <a:arcTo wR="f69" hR="f70" stAng="f91" swAng="f86"/>
-                <a:lnTo>
-                  <a:pt x="f40" y="f38"/>
-                </a:lnTo>
-                <a:arcTo wR="f75" hR="f47" stAng="f87" swAng="f88"/>
-                <a:close/>
-              </a:path>
-            </a:pathLst>
-          </a:custGeom>
-          <a:noFill/>
-          <a:ln w="127001" cap="flat">
-            <a:solidFill>
-              <a:srgbClr val="000000"/>
-            </a:solidFill>
-            <a:prstDash val="solid"/>
-            <a:miter/>
-          </a:ln>
-        </p:spPr>
-        <p:txBody>
-          <a:bodyPr vert="horz" wrap="square" lIns="91440" tIns="45720" rIns="91440" bIns="45720" anchor="ctr" anchorCtr="1" compatLnSpc="1">
-            <a:noAutofit/>
-          </a:bodyPr>
-          <a:lstStyle/>
-          <a:p>
-            <a:pPr marL="0" marR="0" lvl="0" indent="0" algn="ctr" defTabSz="457200" rtl="0" fontAlgn="auto" hangingPunct="1">
-              <a:lnSpc>
-                <a:spcPct val="100000"/>
-              </a:lnSpc>
-              <a:spcBef>
-                <a:spcPts val="0"/>
-              </a:spcBef>
-              <a:spcAft>
-                <a:spcPts val="0"/>
-              </a:spcAft>
-              <a:buNone/>
-              <a:tabLst/>
-              <a:defRPr sz="1800" b="0" i="0" u="none" strike="noStrike" kern="0" cap="none" spc="0" baseline="0">
-                <a:solidFill>
-                  <a:srgbClr val="000000"/>
-                </a:solidFill>
-                <a:uFillTx/>
-              </a:defRPr>
-            </a:pPr>
-            <a:r>
-              <a:rPr lang="de-DE" sz="5400" b="0" i="0" u="none" strike="noStrike" kern="1200" cap="none" spc="0" baseline="0">
-                <a:solidFill>
-                  <a:srgbClr val="000000"/>
-                </a:solidFill>
-                <a:uFillTx/>
-                <a:latin typeface="Calibri"/>
-              </a:rPr>
-              <a:t>In der </a:t>
-            </a:r>
-            <a:r>
-              <a:rPr lang="de-DE" sz="5400" b="1" i="0" u="none" strike="noStrike" kern="1200" cap="none" spc="0" baseline="0">
-                <a:solidFill>
-                  <a:srgbClr val="000000"/>
-                </a:solidFill>
-                <a:uFillTx/>
-                <a:latin typeface="Calibri"/>
-              </a:rPr>
-              <a:t>transpile() </a:t>
-            </a:r>
-            <a:r>
-              <a:rPr lang="de-DE" sz="5400" b="0" i="0" u="none" strike="noStrike" kern="1200" cap="none" spc="0" baseline="0">
-                <a:solidFill>
-                  <a:srgbClr val="000000"/>
-                </a:solidFill>
-                <a:uFillTx/>
-                <a:latin typeface="Calibri"/>
-              </a:rPr>
-              <a:t>Funktion wird der Pyduino-Code zeilenweise in C++ übersetzt</a:t>
-            </a:r>
-            <a:endParaRPr lang="de-DE" sz="5400" b="1" i="0" u="none" strike="noStrike" kern="1200" cap="none" spc="0" baseline="0">
-              <a:solidFill>
-                <a:srgbClr val="000000"/>
-              </a:solidFill>
-              <a:uFillTx/>
-              <a:latin typeface="Calibri"/>
-            </a:endParaRPr>
-          </a:p>
-        </p:txBody>
-      </p:sp>
-      <p:sp>
-        <p:nvSpPr>
-          <p:cNvPr id="8" name="Rechteck: abgerundete Ecken 36">
-            <a:extLst>
-              <a:ext uri="{FF2B5EF4-FFF2-40B4-BE49-F238E27FC236}">
-                <a16:creationId xmlns:a16="http://schemas.microsoft.com/office/drawing/2014/main" id="{3A81F5C8-2234-EFA8-981F-A46290916961}"/>
-              </a:ext>
-            </a:extLst>
-          </p:cNvPr>
-          <p:cNvSpPr/>
-          <p:nvPr/>
-        </p:nvSpPr>
-        <p:spPr>
-          <a:xfrm>
-            <a:off x="11827114" y="5748878"/>
-            <a:ext cx="12231014" cy="3702414"/>
-          </a:xfrm>
-          <a:custGeom>
-            <a:avLst>
-              <a:gd name="f0" fmla="val 3422"/>
-            </a:avLst>
-            <a:gdLst>
-              <a:gd name="f1" fmla="val 10800000"/>
-              <a:gd name="f2" fmla="val 5400000"/>
-              <a:gd name="f3" fmla="val 16200000"/>
-              <a:gd name="f4" fmla="val w"/>
-              <a:gd name="f5" fmla="val h"/>
-              <a:gd name="f6" fmla="val ss"/>
-              <a:gd name="f7" fmla="val 0"/>
-              <a:gd name="f8" fmla="*/ 5419351 1 1725033"/>
-              <a:gd name="f9" fmla="val 45"/>
-              <a:gd name="f10" fmla="val 10800"/>
-              <a:gd name="f11" fmla="val -2147483647"/>
-              <a:gd name="f12" fmla="val 2147483647"/>
-              <a:gd name="f13" fmla="abs f4"/>
-              <a:gd name="f14" fmla="abs f5"/>
-              <a:gd name="f15" fmla="abs f6"/>
-              <a:gd name="f16" fmla="*/ f8 1 180"/>
-              <a:gd name="f17" fmla="pin 0 f0 10800"/>
-              <a:gd name="f18" fmla="+- 0 0 f2"/>
-              <a:gd name="f19" fmla="?: f13 f4 1"/>
-              <a:gd name="f20" fmla="?: f14 f5 1"/>
-              <a:gd name="f21" fmla="?: f15 f6 1"/>
-              <a:gd name="f22" fmla="*/ f9 f16 1"/>
-              <a:gd name="f23" fmla="+- f7 f17 0"/>
-              <a:gd name="f24" fmla="*/ f19 1 21600"/>
-              <a:gd name="f25" fmla="*/ f20 1 21600"/>
-              <a:gd name="f26" fmla="*/ 21600 f19 1"/>
-              <a:gd name="f27" fmla="*/ 21600 f20 1"/>
-              <a:gd name="f28" fmla="+- 0 0 f22"/>
-              <a:gd name="f29" fmla="min f25 f24"/>
-              <a:gd name="f30" fmla="*/ f26 1 f21"/>
-              <a:gd name="f31" fmla="*/ f27 1 f21"/>
-              <a:gd name="f32" fmla="*/ f28 f1 1"/>
-              <a:gd name="f33" fmla="*/ f32 1 f8"/>
-              <a:gd name="f34" fmla="+- f31 0 f17"/>
-              <a:gd name="f35" fmla="+- f30 0 f17"/>
-              <a:gd name="f36" fmla="*/ f17 f29 1"/>
-              <a:gd name="f37" fmla="*/ f7 f29 1"/>
-              <a:gd name="f38" fmla="*/ f23 f29 1"/>
-              <a:gd name="f39" fmla="*/ f31 f29 1"/>
-              <a:gd name="f40" fmla="*/ f30 f29 1"/>
-              <a:gd name="f41" fmla="+- f33 0 f2"/>
-              <a:gd name="f42" fmla="+- f37 0 f38"/>
-              <a:gd name="f43" fmla="+- f38 0 f37"/>
-              <a:gd name="f44" fmla="*/ f34 f29 1"/>
-              <a:gd name="f45" fmla="*/ f35 f29 1"/>
-              <a:gd name="f46" fmla="cos 1 f41"/>
-              <a:gd name="f47" fmla="abs f42"/>
-              <a:gd name="f48" fmla="abs f43"/>
-              <a:gd name="f49" fmla="?: f42 f18 f2"/>
-              <a:gd name="f50" fmla="?: f42 f2 f18"/>
-              <a:gd name="f51" fmla="?: f42 f3 f2"/>
-              <a:gd name="f52" fmla="?: f42 f2 f3"/>
-              <a:gd name="f53" fmla="+- f39 0 f44"/>
-              <a:gd name="f54" fmla="?: f43 f18 f2"/>
-              <a:gd name="f55" fmla="?: f43 f2 f18"/>
-              <a:gd name="f56" fmla="+- f40 0 f45"/>
-              <a:gd name="f57" fmla="+- f44 0 f39"/>
-              <a:gd name="f58" fmla="+- f45 0 f40"/>
-              <a:gd name="f59" fmla="?: f42 0 f1"/>
-              <a:gd name="f60" fmla="?: f42 f1 0"/>
-              <a:gd name="f61" fmla="+- 0 0 f46"/>
-              <a:gd name="f62" fmla="?: f42 f52 f51"/>
-              <a:gd name="f63" fmla="?: f42 f51 f52"/>
-              <a:gd name="f64" fmla="?: f43 f50 f49"/>
-              <a:gd name="f65" fmla="abs f53"/>
-              <a:gd name="f66" fmla="?: f53 0 f1"/>
-              <a:gd name="f67" fmla="?: f53 f1 0"/>
-              <a:gd name="f68" fmla="?: f53 f54 f55"/>
-              <a:gd name="f69" fmla="abs f56"/>
-              <a:gd name="f70" fmla="abs f57"/>
-              <a:gd name="f71" fmla="?: f56 f18 f2"/>
-              <a:gd name="f72" fmla="?: f56 f2 f18"/>
-              <a:gd name="f73" fmla="?: f56 f3 f2"/>
-              <a:gd name="f74" fmla="?: f56 f2 f3"/>
-              <a:gd name="f75" fmla="abs f58"/>
-              <a:gd name="f76" fmla="?: f58 f18 f2"/>
-              <a:gd name="f77" fmla="?: f58 f2 f18"/>
-              <a:gd name="f78" fmla="?: f58 f60 f59"/>
-              <a:gd name="f79" fmla="?: f58 f59 f60"/>
-              <a:gd name="f80" fmla="*/ f17 f61 1"/>
-              <a:gd name="f81" fmla="?: f43 f63 f62"/>
-              <a:gd name="f82" fmla="?: f43 f67 f66"/>
-              <a:gd name="f83" fmla="?: f43 f66 f67"/>
-              <a:gd name="f84" fmla="?: f56 f74 f73"/>
-              <a:gd name="f85" fmla="?: f56 f73 f74"/>
-              <a:gd name="f86" fmla="?: f57 f72 f71"/>
-              <a:gd name="f87" fmla="?: f42 f78 f79"/>
-              <a:gd name="f88" fmla="?: f42 f76 f77"/>
-              <a:gd name="f89" fmla="*/ f80 3163 1"/>
-              <a:gd name="f90" fmla="?: f53 f82 f83"/>
-              <a:gd name="f91" fmla="?: f57 f85 f84"/>
-              <a:gd name="f92" fmla="*/ f89 1 7636"/>
-              <a:gd name="f93" fmla="+- f7 f92 0"/>
-              <a:gd name="f94" fmla="+- f30 0 f92"/>
-              <a:gd name="f95" fmla="+- f31 0 f92"/>
-              <a:gd name="f96" fmla="*/ f93 f29 1"/>
-              <a:gd name="f97" fmla="*/ f94 f29 1"/>
-              <a:gd name="f98" fmla="*/ f95 f29 1"/>
-            </a:gdLst>
-            <a:ahLst>
-              <a:ahXY gdRefX="f0" minX="f7" maxX="f10">
-                <a:pos x="f36" y="f37"/>
-              </a:ahXY>
-            </a:ahLst>
-            <a:cxnLst>
-              <a:cxn ang="3cd4">
-                <a:pos x="hc" y="t"/>
-              </a:cxn>
-              <a:cxn ang="0">
-                <a:pos x="r" y="vc"/>
-              </a:cxn>
-              <a:cxn ang="cd4">
-                <a:pos x="hc" y="b"/>
-              </a:cxn>
-              <a:cxn ang="cd2">
-                <a:pos x="l" y="vc"/>
-              </a:cxn>
-            </a:cxnLst>
-            <a:rect l="f96" t="f96" r="f97" b="f98"/>
-            <a:pathLst>
-              <a:path>
-                <a:moveTo>
-                  <a:pt x="f38" y="f37"/>
-                </a:moveTo>
-                <a:arcTo wR="f47" hR="f48" stAng="f81" swAng="f64"/>
-                <a:lnTo>
-                  <a:pt x="f37" y="f44"/>
-                </a:lnTo>
-                <a:arcTo wR="f48" hR="f65" stAng="f90" swAng="f68"/>
-                <a:lnTo>
-                  <a:pt x="f45" y="f39"/>
-                </a:lnTo>
-                <a:arcTo wR="f69" hR="f70" stAng="f91" swAng="f86"/>
-                <a:lnTo>
-                  <a:pt x="f40" y="f38"/>
-                </a:lnTo>
-                <a:arcTo wR="f75" hR="f47" stAng="f87" swAng="f88"/>
-                <a:close/>
-              </a:path>
-            </a:pathLst>
-          </a:custGeom>
-          <a:noFill/>
-          <a:ln w="127001" cap="flat">
-            <a:solidFill>
-              <a:srgbClr val="000000"/>
-            </a:solidFill>
-            <a:prstDash val="solid"/>
-            <a:miter/>
-          </a:ln>
-        </p:spPr>
-        <p:txBody>
-          <a:bodyPr vert="horz" wrap="square" lIns="91440" tIns="45720" rIns="91440" bIns="45720" anchor="ctr" anchorCtr="0" compatLnSpc="1">
-            <a:noAutofit/>
-          </a:bodyPr>
-          <a:lstStyle/>
-          <a:p>
-            <a:pPr marL="0" marR="0" lvl="0" indent="0" algn="l" defTabSz="457200" rtl="0" fontAlgn="auto" hangingPunct="1">
-              <a:lnSpc>
-                <a:spcPct val="100000"/>
-              </a:lnSpc>
-              <a:spcBef>
-                <a:spcPts val="0"/>
-              </a:spcBef>
-              <a:spcAft>
-                <a:spcPts val="0"/>
-              </a:spcAft>
-              <a:buNone/>
-              <a:tabLst/>
-              <a:defRPr sz="1800" b="0" i="0" u="none" strike="noStrike" kern="0" cap="none" spc="0" baseline="0">
-                <a:solidFill>
-                  <a:srgbClr val="000000"/>
-                </a:solidFill>
-                <a:uFillTx/>
-              </a:defRPr>
-            </a:pPr>
-            <a:r>
-              <a:rPr lang="de-DE" sz="5400" b="0" i="0" u="none" strike="noStrike" kern="1200" cap="none" spc="0" baseline="0">
-                <a:solidFill>
-                  <a:srgbClr val="000000"/>
-                </a:solidFill>
-                <a:uFillTx/>
-                <a:latin typeface="Calibri"/>
-              </a:rPr>
-              <a:t>Eine einzelne Zeile wird mit der </a:t>
-            </a:r>
-            <a:r>
-              <a:rPr lang="de-DE" sz="5400" b="1" i="0" u="none" strike="noStrike" kern="1200" cap="none" spc="0" baseline="0">
-                <a:solidFill>
-                  <a:srgbClr val="000000"/>
-                </a:solidFill>
-                <a:uFillTx/>
-                <a:latin typeface="Calibri"/>
-              </a:rPr>
-              <a:t>do_line() </a:t>
-            </a:r>
-            <a:r>
-              <a:rPr lang="de-DE" sz="5400" b="0" i="0" u="none" strike="noStrike" kern="1200" cap="none" spc="0" baseline="0">
-                <a:solidFill>
-                  <a:srgbClr val="000000"/>
-                </a:solidFill>
-                <a:uFillTx/>
-                <a:latin typeface="Calibri"/>
-              </a:rPr>
-              <a:t>Funktion übersetzt. Die Zeile wird dabei auf verschiedene Anweisungsarten überprüft.</a:t>
-            </a:r>
-          </a:p>
-        </p:txBody>
-      </p:sp>
-      <p:sp>
-        <p:nvSpPr>
-          <p:cNvPr id="9" name="Rechteck: abgerundete Ecken 39">
-            <a:extLst>
-              <a:ext uri="{FF2B5EF4-FFF2-40B4-BE49-F238E27FC236}">
-                <a16:creationId xmlns:a16="http://schemas.microsoft.com/office/drawing/2014/main" id="{32616963-9FEF-6BEE-8572-8492768566FD}"/>
-              </a:ext>
-            </a:extLst>
-          </p:cNvPr>
-          <p:cNvSpPr/>
-          <p:nvPr/>
-        </p:nvSpPr>
-        <p:spPr>
-          <a:xfrm>
-            <a:off x="11827114" y="10007869"/>
-            <a:ext cx="12235284" cy="8835572"/>
-          </a:xfrm>
-          <a:custGeom>
-            <a:avLst>
-              <a:gd name="f0" fmla="val 1358"/>
-            </a:avLst>
-            <a:gdLst>
-              <a:gd name="f1" fmla="val 10800000"/>
-              <a:gd name="f2" fmla="val 5400000"/>
-              <a:gd name="f3" fmla="val 16200000"/>
-              <a:gd name="f4" fmla="val w"/>
-              <a:gd name="f5" fmla="val h"/>
-              <a:gd name="f6" fmla="val ss"/>
-              <a:gd name="f7" fmla="val 0"/>
-              <a:gd name="f8" fmla="*/ 5419351 1 1725033"/>
-              <a:gd name="f9" fmla="val 45"/>
-              <a:gd name="f10" fmla="val 10800"/>
-              <a:gd name="f11" fmla="val -2147483647"/>
-              <a:gd name="f12" fmla="val 2147483647"/>
-              <a:gd name="f13" fmla="abs f4"/>
-              <a:gd name="f14" fmla="abs f5"/>
-              <a:gd name="f15" fmla="abs f6"/>
-              <a:gd name="f16" fmla="*/ f8 1 180"/>
-              <a:gd name="f17" fmla="pin 0 f0 10800"/>
-              <a:gd name="f18" fmla="+- 0 0 f2"/>
-              <a:gd name="f19" fmla="?: f13 f4 1"/>
-              <a:gd name="f20" fmla="?: f14 f5 1"/>
-              <a:gd name="f21" fmla="?: f15 f6 1"/>
-              <a:gd name="f22" fmla="*/ f9 f16 1"/>
-              <a:gd name="f23" fmla="+- f7 f17 0"/>
-              <a:gd name="f24" fmla="*/ f19 1 21600"/>
-              <a:gd name="f25" fmla="*/ f20 1 21600"/>
-              <a:gd name="f26" fmla="*/ 21600 f19 1"/>
-              <a:gd name="f27" fmla="*/ 21600 f20 1"/>
-              <a:gd name="f28" fmla="+- 0 0 f22"/>
-              <a:gd name="f29" fmla="min f25 f24"/>
-              <a:gd name="f30" fmla="*/ f26 1 f21"/>
-              <a:gd name="f31" fmla="*/ f27 1 f21"/>
-              <a:gd name="f32" fmla="*/ f28 f1 1"/>
-              <a:gd name="f33" fmla="*/ f32 1 f8"/>
-              <a:gd name="f34" fmla="+- f31 0 f17"/>
-              <a:gd name="f35" fmla="+- f30 0 f17"/>
-              <a:gd name="f36" fmla="*/ f17 f29 1"/>
-              <a:gd name="f37" fmla="*/ f7 f29 1"/>
-              <a:gd name="f38" fmla="*/ f23 f29 1"/>
-              <a:gd name="f39" fmla="*/ f31 f29 1"/>
-              <a:gd name="f40" fmla="*/ f30 f29 1"/>
-              <a:gd name="f41" fmla="+- f33 0 f2"/>
-              <a:gd name="f42" fmla="+- f37 0 f38"/>
-              <a:gd name="f43" fmla="+- f38 0 f37"/>
-              <a:gd name="f44" fmla="*/ f34 f29 1"/>
-              <a:gd name="f45" fmla="*/ f35 f29 1"/>
-              <a:gd name="f46" fmla="cos 1 f41"/>
-              <a:gd name="f47" fmla="abs f42"/>
-              <a:gd name="f48" fmla="abs f43"/>
-              <a:gd name="f49" fmla="?: f42 f18 f2"/>
-              <a:gd name="f50" fmla="?: f42 f2 f18"/>
-              <a:gd name="f51" fmla="?: f42 f3 f2"/>
-              <a:gd name="f52" fmla="?: f42 f2 f3"/>
-              <a:gd name="f53" fmla="+- f39 0 f44"/>
-              <a:gd name="f54" fmla="?: f43 f18 f2"/>
-              <a:gd name="f55" fmla="?: f43 f2 f18"/>
-              <a:gd name="f56" fmla="+- f40 0 f45"/>
-              <a:gd name="f57" fmla="+- f44 0 f39"/>
-              <a:gd name="f58" fmla="+- f45 0 f40"/>
-              <a:gd name="f59" fmla="?: f42 0 f1"/>
-              <a:gd name="f60" fmla="?: f42 f1 0"/>
-              <a:gd name="f61" fmla="+- 0 0 f46"/>
-              <a:gd name="f62" fmla="?: f42 f52 f51"/>
-              <a:gd name="f63" fmla="?: f42 f51 f52"/>
-              <a:gd name="f64" fmla="?: f43 f50 f49"/>
-              <a:gd name="f65" fmla="abs f53"/>
-              <a:gd name="f66" fmla="?: f53 0 f1"/>
-              <a:gd name="f67" fmla="?: f53 f1 0"/>
-              <a:gd name="f68" fmla="?: f53 f54 f55"/>
-              <a:gd name="f69" fmla="abs f56"/>
-              <a:gd name="f70" fmla="abs f57"/>
-              <a:gd name="f71" fmla="?: f56 f18 f2"/>
-              <a:gd name="f72" fmla="?: f56 f2 f18"/>
-              <a:gd name="f73" fmla="?: f56 f3 f2"/>
-              <a:gd name="f74" fmla="?: f56 f2 f3"/>
-              <a:gd name="f75" fmla="abs f58"/>
-              <a:gd name="f76" fmla="?: f58 f18 f2"/>
-              <a:gd name="f77" fmla="?: f58 f2 f18"/>
-              <a:gd name="f78" fmla="?: f58 f60 f59"/>
-              <a:gd name="f79" fmla="?: f58 f59 f60"/>
-              <a:gd name="f80" fmla="*/ f17 f61 1"/>
-              <a:gd name="f81" fmla="?: f43 f63 f62"/>
-              <a:gd name="f82" fmla="?: f43 f67 f66"/>
-              <a:gd name="f83" fmla="?: f43 f66 f67"/>
-              <a:gd name="f84" fmla="?: f56 f74 f73"/>
-              <a:gd name="f85" fmla="?: f56 f73 f74"/>
-              <a:gd name="f86" fmla="?: f57 f72 f71"/>
-              <a:gd name="f87" fmla="?: f42 f78 f79"/>
-              <a:gd name="f88" fmla="?: f42 f76 f77"/>
-              <a:gd name="f89" fmla="*/ f80 3163 1"/>
-              <a:gd name="f90" fmla="?: f53 f82 f83"/>
-              <a:gd name="f91" fmla="?: f57 f85 f84"/>
-              <a:gd name="f92" fmla="*/ f89 1 7636"/>
-              <a:gd name="f93" fmla="+- f7 f92 0"/>
-              <a:gd name="f94" fmla="+- f30 0 f92"/>
-              <a:gd name="f95" fmla="+- f31 0 f92"/>
-              <a:gd name="f96" fmla="*/ f93 f29 1"/>
-              <a:gd name="f97" fmla="*/ f94 f29 1"/>
-              <a:gd name="f98" fmla="*/ f95 f29 1"/>
-            </a:gdLst>
-            <a:ahLst>
-              <a:ahXY gdRefX="f0" minX="f7" maxX="f10">
-                <a:pos x="f36" y="f37"/>
-              </a:ahXY>
-            </a:ahLst>
-            <a:cxnLst>
-              <a:cxn ang="3cd4">
-                <a:pos x="hc" y="t"/>
-              </a:cxn>
-              <a:cxn ang="0">
-                <a:pos x="r" y="vc"/>
-              </a:cxn>
-              <a:cxn ang="cd4">
-                <a:pos x="hc" y="b"/>
-              </a:cxn>
-              <a:cxn ang="cd2">
-                <a:pos x="l" y="vc"/>
-              </a:cxn>
-            </a:cxnLst>
-            <a:rect l="f96" t="f96" r="f97" b="f98"/>
-            <a:pathLst>
-              <a:path>
-                <a:moveTo>
-                  <a:pt x="f38" y="f37"/>
-                </a:moveTo>
-                <a:arcTo wR="f47" hR="f48" stAng="f81" swAng="f64"/>
-                <a:lnTo>
-                  <a:pt x="f37" y="f44"/>
-                </a:lnTo>
-                <a:arcTo wR="f48" hR="f65" stAng="f90" swAng="f68"/>
-                <a:lnTo>
-                  <a:pt x="f45" y="f39"/>
-                </a:lnTo>
-                <a:arcTo wR="f69" hR="f70" stAng="f91" swAng="f86"/>
-                <a:lnTo>
-                  <a:pt x="f40" y="f38"/>
-                </a:lnTo>
-                <a:arcTo wR="f75" hR="f47" stAng="f87" swAng="f88"/>
-                <a:close/>
-              </a:path>
-            </a:pathLst>
-          </a:custGeom>
-          <a:noFill/>
-          <a:ln w="127001" cap="flat">
-            <a:solidFill>
-              <a:srgbClr val="000000"/>
-            </a:solidFill>
-            <a:prstDash val="solid"/>
-            <a:miter/>
-          </a:ln>
-        </p:spPr>
-        <p:txBody>
-          <a:bodyPr vert="horz" wrap="square" lIns="91440" tIns="45720" rIns="91440" bIns="45720" anchor="ctr" anchorCtr="0" compatLnSpc="1">
-            <a:noAutofit/>
-          </a:bodyPr>
-          <a:lstStyle/>
-          <a:p>
-            <a:pPr marL="0" marR="0" lvl="0" indent="0" algn="l" defTabSz="457200" rtl="0" fontAlgn="auto" hangingPunct="1">
-              <a:lnSpc>
-                <a:spcPct val="100000"/>
-              </a:lnSpc>
-              <a:spcBef>
-                <a:spcPts val="0"/>
-              </a:spcBef>
-              <a:spcAft>
-                <a:spcPts val="0"/>
-              </a:spcAft>
-              <a:buNone/>
-              <a:tabLst/>
-              <a:defRPr sz="1800" b="0" i="0" u="none" strike="noStrike" kern="0" cap="none" spc="0" baseline="0">
-                <a:solidFill>
-                  <a:srgbClr val="000000"/>
-                </a:solidFill>
-                <a:uFillTx/>
-              </a:defRPr>
-            </a:pPr>
-            <a:r>
-              <a:rPr lang="de-DE" sz="5400" b="0" i="0" u="none" strike="noStrike" kern="1200" cap="none" spc="0" baseline="0">
-                <a:solidFill>
-                  <a:srgbClr val="000000"/>
-                </a:solidFill>
-                <a:uFillTx/>
-                <a:latin typeface="Calibri"/>
-              </a:rPr>
-              <a:t>Die </a:t>
-            </a:r>
-            <a:r>
-              <a:rPr lang="de-DE" sz="5400" b="1" i="0" u="none" strike="noStrike" kern="1200" cap="none" spc="0" baseline="0">
-                <a:solidFill>
-                  <a:srgbClr val="000000"/>
-                </a:solidFill>
-                <a:uFillTx/>
-                <a:latin typeface="Calibri"/>
-              </a:rPr>
-              <a:t>do_line() </a:t>
-            </a:r>
-            <a:r>
-              <a:rPr lang="de-DE" sz="5400" b="0" i="0" u="none" strike="noStrike" kern="1200" cap="none" spc="0" baseline="0">
-                <a:solidFill>
-                  <a:srgbClr val="000000"/>
-                </a:solidFill>
-                <a:uFillTx/>
-                <a:latin typeface="Calibri"/>
-              </a:rPr>
-              <a:t>Funktion verwendet verschiedene </a:t>
-            </a:r>
-            <a:r>
-              <a:rPr lang="de-DE" sz="5400" b="1" i="0" u="none" strike="noStrike" kern="1200" cap="none" spc="0" baseline="0">
-                <a:solidFill>
-                  <a:srgbClr val="000000"/>
-                </a:solidFill>
-                <a:uFillTx/>
-                <a:latin typeface="Calibri"/>
-              </a:rPr>
-              <a:t>check</a:t>
-            </a:r>
-            <a:r>
-              <a:rPr lang="de-DE" sz="5400" b="0" i="0" u="none" strike="noStrike" kern="1200" cap="none" spc="0" baseline="0">
-                <a:solidFill>
-                  <a:srgbClr val="000000"/>
-                </a:solidFill>
-                <a:uFillTx/>
-                <a:latin typeface="Calibri"/>
-              </a:rPr>
-              <a:t> Funktionen, um die Zeile auf verschiedene Anweisungsarten zu überprüfen. Diese Funktionen geben </a:t>
-            </a:r>
-            <a:r>
-              <a:rPr lang="de-DE" sz="5400" b="1" i="0" u="none" strike="noStrike" kern="1200" cap="none" spc="0" baseline="0">
-                <a:solidFill>
-                  <a:srgbClr val="000000"/>
-                </a:solidFill>
-                <a:uFillTx/>
-                <a:latin typeface="Calibri"/>
-              </a:rPr>
-              <a:t>True </a:t>
-            </a:r>
-            <a:r>
-              <a:rPr lang="de-DE" sz="5400" b="0" i="0" u="none" strike="noStrike" kern="1200" cap="none" spc="0" baseline="0">
-                <a:solidFill>
-                  <a:srgbClr val="000000"/>
-                </a:solidFill>
-                <a:uFillTx/>
-                <a:latin typeface="Calibri"/>
-              </a:rPr>
-              <a:t>zurück, wenn die entsprechende Anweisung gefunden wurde, egal ob diese korrekt übersetzt werden konnte oder nicht. Ansonsten wird </a:t>
-            </a:r>
-            <a:r>
-              <a:rPr lang="de-DE" sz="5400" b="1" i="0" u="none" strike="noStrike" kern="1200" cap="none" spc="0" baseline="0">
-                <a:solidFill>
-                  <a:srgbClr val="000000"/>
-                </a:solidFill>
-                <a:uFillTx/>
-                <a:latin typeface="Calibri"/>
-              </a:rPr>
-              <a:t>False </a:t>
-            </a:r>
-            <a:r>
-              <a:rPr lang="de-DE" sz="5400" b="0" i="0" u="none" strike="noStrike" kern="1200" cap="none" spc="0" baseline="0">
-                <a:solidFill>
-                  <a:srgbClr val="000000"/>
-                </a:solidFill>
-                <a:uFillTx/>
-                <a:latin typeface="Calibri"/>
-              </a:rPr>
-              <a:t> zurückgegeben. Ein Beispiel dafür ist die Funktion </a:t>
-            </a:r>
-            <a:r>
-              <a:rPr lang="de-DE" sz="5400" b="1" i="0" u="none" strike="noStrike" kern="1200" cap="none" spc="0" baseline="0">
-                <a:solidFill>
-                  <a:srgbClr val="000000"/>
-                </a:solidFill>
-                <a:uFillTx/>
-                <a:latin typeface="Calibri"/>
-              </a:rPr>
-              <a:t>Variable.check_definition()</a:t>
-            </a:r>
-            <a:endParaRPr lang="de-DE" sz="5400" b="0" i="0" u="none" strike="noStrike" kern="1200" cap="none" spc="0" baseline="0">
-              <a:solidFill>
-                <a:srgbClr val="000000"/>
-              </a:solidFill>
-              <a:uFillTx/>
-              <a:latin typeface="Calibri"/>
-            </a:endParaRPr>
-          </a:p>
-        </p:txBody>
-      </p:sp>
-      <p:cxnSp>
-        <p:nvCxnSpPr>
-          <p:cNvPr id="10" name="Gerader Verbinder 41">
-            <a:extLst>
-              <a:ext uri="{FF2B5EF4-FFF2-40B4-BE49-F238E27FC236}">
-                <a16:creationId xmlns:a16="http://schemas.microsoft.com/office/drawing/2014/main" id="{A57A18E0-0E28-7314-6099-C46629BFA684}"/>
-              </a:ext>
-            </a:extLst>
-          </p:cNvPr>
-          <p:cNvCxnSpPr>
-            <a:cxnSpLocks/>
-            <a:endCxn id="6" idx="0"/>
-          </p:cNvCxnSpPr>
-          <p:nvPr/>
-        </p:nvCxnSpPr>
-        <p:spPr>
-          <a:xfrm>
-            <a:off x="12599983" y="2670706"/>
-            <a:ext cx="0" cy="1031678"/>
-          </a:xfrm>
-          <a:prstGeom prst="straightConnector1">
-            <a:avLst/>
-          </a:prstGeom>
-          <a:noFill/>
-          <a:ln w="127001" cap="flat">
-            <a:gradFill flip="none" rotWithShape="1">
-              <a:gsLst>
-                <a:gs pos="0">
-                  <a:srgbClr val="29BAC1"/>
-                </a:gs>
-                <a:gs pos="100000">
-                  <a:schemeClr val="tx1"/>
-                </a:gs>
-              </a:gsLst>
-              <a:lin ang="5400000" scaled="1"/>
-              <a:tileRect/>
-            </a:gradFill>
-            <a:prstDash val="solid"/>
-            <a:miter/>
-          </a:ln>
-        </p:spPr>
-      </p:cxnSp>
-      <p:sp>
-        <p:nvSpPr>
-          <p:cNvPr id="12" name="Rechteck: abgerundete Ecken 43">
-            <a:extLst>
-              <a:ext uri="{FF2B5EF4-FFF2-40B4-BE49-F238E27FC236}">
-                <a16:creationId xmlns:a16="http://schemas.microsoft.com/office/drawing/2014/main" id="{21A764E4-AE3F-A991-6906-B009643518C3}"/>
-              </a:ext>
-            </a:extLst>
-          </p:cNvPr>
-          <p:cNvSpPr/>
-          <p:nvPr/>
-        </p:nvSpPr>
-        <p:spPr>
-          <a:xfrm>
-            <a:off x="1150388" y="5748878"/>
-            <a:ext cx="9472333" cy="11444794"/>
-          </a:xfrm>
-          <a:custGeom>
-            <a:avLst>
-              <a:gd name="f0" fmla="val 1490"/>
-            </a:avLst>
-            <a:gdLst>
-              <a:gd name="f1" fmla="val 10800000"/>
-              <a:gd name="f2" fmla="val 5400000"/>
-              <a:gd name="f3" fmla="val 16200000"/>
-              <a:gd name="f4" fmla="val w"/>
-              <a:gd name="f5" fmla="val h"/>
-              <a:gd name="f6" fmla="val ss"/>
-              <a:gd name="f7" fmla="val 0"/>
-              <a:gd name="f8" fmla="*/ 5419351 1 1725033"/>
-              <a:gd name="f9" fmla="val 45"/>
-              <a:gd name="f10" fmla="val 10800"/>
-              <a:gd name="f11" fmla="val -2147483647"/>
-              <a:gd name="f12" fmla="val 2147483647"/>
-              <a:gd name="f13" fmla="abs f4"/>
-              <a:gd name="f14" fmla="abs f5"/>
-              <a:gd name="f15" fmla="abs f6"/>
-              <a:gd name="f16" fmla="*/ f8 1 180"/>
-              <a:gd name="f17" fmla="pin 0 f0 10800"/>
-              <a:gd name="f18" fmla="+- 0 0 f2"/>
-              <a:gd name="f19" fmla="?: f13 f4 1"/>
-              <a:gd name="f20" fmla="?: f14 f5 1"/>
-              <a:gd name="f21" fmla="?: f15 f6 1"/>
-              <a:gd name="f22" fmla="*/ f9 f16 1"/>
-              <a:gd name="f23" fmla="+- f7 f17 0"/>
-              <a:gd name="f24" fmla="*/ f19 1 21600"/>
-              <a:gd name="f25" fmla="*/ f20 1 21600"/>
-              <a:gd name="f26" fmla="*/ 21600 f19 1"/>
-              <a:gd name="f27" fmla="*/ 21600 f20 1"/>
-              <a:gd name="f28" fmla="+- 0 0 f22"/>
-              <a:gd name="f29" fmla="min f25 f24"/>
-              <a:gd name="f30" fmla="*/ f26 1 f21"/>
-              <a:gd name="f31" fmla="*/ f27 1 f21"/>
-              <a:gd name="f32" fmla="*/ f28 f1 1"/>
-              <a:gd name="f33" fmla="*/ f32 1 f8"/>
-              <a:gd name="f34" fmla="+- f31 0 f17"/>
-              <a:gd name="f35" fmla="+- f30 0 f17"/>
-              <a:gd name="f36" fmla="*/ f17 f29 1"/>
-              <a:gd name="f37" fmla="*/ f7 f29 1"/>
-              <a:gd name="f38" fmla="*/ f23 f29 1"/>
-              <a:gd name="f39" fmla="*/ f31 f29 1"/>
-              <a:gd name="f40" fmla="*/ f30 f29 1"/>
-              <a:gd name="f41" fmla="+- f33 0 f2"/>
-              <a:gd name="f42" fmla="+- f37 0 f38"/>
-              <a:gd name="f43" fmla="+- f38 0 f37"/>
-              <a:gd name="f44" fmla="*/ f34 f29 1"/>
-              <a:gd name="f45" fmla="*/ f35 f29 1"/>
-              <a:gd name="f46" fmla="cos 1 f41"/>
-              <a:gd name="f47" fmla="abs f42"/>
-              <a:gd name="f48" fmla="abs f43"/>
-              <a:gd name="f49" fmla="?: f42 f18 f2"/>
-              <a:gd name="f50" fmla="?: f42 f2 f18"/>
-              <a:gd name="f51" fmla="?: f42 f3 f2"/>
-              <a:gd name="f52" fmla="?: f42 f2 f3"/>
-              <a:gd name="f53" fmla="+- f39 0 f44"/>
-              <a:gd name="f54" fmla="?: f43 f18 f2"/>
-              <a:gd name="f55" fmla="?: f43 f2 f18"/>
-              <a:gd name="f56" fmla="+- f40 0 f45"/>
-              <a:gd name="f57" fmla="+- f44 0 f39"/>
-              <a:gd name="f58" fmla="+- f45 0 f40"/>
-              <a:gd name="f59" fmla="?: f42 0 f1"/>
-              <a:gd name="f60" fmla="?: f42 f1 0"/>
-              <a:gd name="f61" fmla="+- 0 0 f46"/>
-              <a:gd name="f62" fmla="?: f42 f52 f51"/>
-              <a:gd name="f63" fmla="?: f42 f51 f52"/>
-              <a:gd name="f64" fmla="?: f43 f50 f49"/>
-              <a:gd name="f65" fmla="abs f53"/>
-              <a:gd name="f66" fmla="?: f53 0 f1"/>
-              <a:gd name="f67" fmla="?: f53 f1 0"/>
-              <a:gd name="f68" fmla="?: f53 f54 f55"/>
-              <a:gd name="f69" fmla="abs f56"/>
-              <a:gd name="f70" fmla="abs f57"/>
-              <a:gd name="f71" fmla="?: f56 f18 f2"/>
-              <a:gd name="f72" fmla="?: f56 f2 f18"/>
-              <a:gd name="f73" fmla="?: f56 f3 f2"/>
-              <a:gd name="f74" fmla="?: f56 f2 f3"/>
-              <a:gd name="f75" fmla="abs f58"/>
-              <a:gd name="f76" fmla="?: f58 f18 f2"/>
-              <a:gd name="f77" fmla="?: f58 f2 f18"/>
-              <a:gd name="f78" fmla="?: f58 f60 f59"/>
-              <a:gd name="f79" fmla="?: f58 f59 f60"/>
-              <a:gd name="f80" fmla="*/ f17 f61 1"/>
-              <a:gd name="f81" fmla="?: f43 f63 f62"/>
-              <a:gd name="f82" fmla="?: f43 f67 f66"/>
-              <a:gd name="f83" fmla="?: f43 f66 f67"/>
-              <a:gd name="f84" fmla="?: f56 f74 f73"/>
-              <a:gd name="f85" fmla="?: f56 f73 f74"/>
-              <a:gd name="f86" fmla="?: f57 f72 f71"/>
-              <a:gd name="f87" fmla="?: f42 f78 f79"/>
-              <a:gd name="f88" fmla="?: f42 f76 f77"/>
-              <a:gd name="f89" fmla="*/ f80 3163 1"/>
-              <a:gd name="f90" fmla="?: f53 f82 f83"/>
-              <a:gd name="f91" fmla="?: f57 f85 f84"/>
-              <a:gd name="f92" fmla="*/ f89 1 7636"/>
-              <a:gd name="f93" fmla="+- f7 f92 0"/>
-              <a:gd name="f94" fmla="+- f30 0 f92"/>
-              <a:gd name="f95" fmla="+- f31 0 f92"/>
-              <a:gd name="f96" fmla="*/ f93 f29 1"/>
-              <a:gd name="f97" fmla="*/ f94 f29 1"/>
-              <a:gd name="f98" fmla="*/ f95 f29 1"/>
-            </a:gdLst>
-            <a:ahLst>
-              <a:ahXY gdRefX="f0" minX="f7" maxX="f10">
-                <a:pos x="f36" y="f37"/>
-              </a:ahXY>
-            </a:ahLst>
-            <a:cxnLst>
-              <a:cxn ang="3cd4">
-                <a:pos x="hc" y="t"/>
-              </a:cxn>
-              <a:cxn ang="0">
-                <a:pos x="r" y="vc"/>
-              </a:cxn>
-              <a:cxn ang="cd4">
-                <a:pos x="hc" y="b"/>
-              </a:cxn>
-              <a:cxn ang="cd2">
-                <a:pos x="l" y="vc"/>
-              </a:cxn>
-            </a:cxnLst>
-            <a:rect l="f96" t="f96" r="f97" b="f98"/>
-            <a:pathLst>
-              <a:path>
-                <a:moveTo>
-                  <a:pt x="f38" y="f37"/>
-                </a:moveTo>
-                <a:arcTo wR="f47" hR="f48" stAng="f81" swAng="f64"/>
-                <a:lnTo>
-                  <a:pt x="f37" y="f44"/>
-                </a:lnTo>
-                <a:arcTo wR="f48" hR="f65" stAng="f90" swAng="f68"/>
-                <a:lnTo>
-                  <a:pt x="f45" y="f39"/>
-                </a:lnTo>
-                <a:arcTo wR="f69" hR="f70" stAng="f91" swAng="f86"/>
-                <a:lnTo>
-                  <a:pt x="f40" y="f38"/>
-                </a:lnTo>
-                <a:arcTo wR="f75" hR="f47" stAng="f87" swAng="f88"/>
-                <a:close/>
-              </a:path>
-            </a:pathLst>
-          </a:custGeom>
-          <a:noFill/>
-          <a:ln w="127001" cap="flat">
-            <a:solidFill>
-              <a:srgbClr val="000000"/>
-            </a:solidFill>
-            <a:prstDash val="solid"/>
-            <a:miter/>
-          </a:ln>
-        </p:spPr>
-        <p:txBody>
-          <a:bodyPr vert="horz" wrap="square" lIns="91440" tIns="45720" rIns="91440" bIns="45720" anchor="ctr" anchorCtr="0" compatLnSpc="1">
-            <a:noAutofit/>
-          </a:bodyPr>
-          <a:lstStyle/>
-          <a:p>
-            <a:pPr marL="0" marR="0" lvl="0" indent="0" algn="l" defTabSz="457200" rtl="0" fontAlgn="auto" hangingPunct="1">
-              <a:lnSpc>
-                <a:spcPct val="100000"/>
-              </a:lnSpc>
-              <a:spcBef>
-                <a:spcPts val="0"/>
-              </a:spcBef>
-              <a:spcAft>
-                <a:spcPts val="0"/>
-              </a:spcAft>
-              <a:buNone/>
-              <a:tabLst/>
-              <a:defRPr sz="1800" b="0" i="0" u="none" strike="noStrike" kern="0" cap="none" spc="0" baseline="0">
-                <a:solidFill>
-                  <a:srgbClr val="000000"/>
-                </a:solidFill>
-                <a:uFillTx/>
-              </a:defRPr>
-            </a:pPr>
-            <a:endParaRPr lang="de-DE" sz="5400" b="0" i="0" u="none" strike="noStrike" kern="1200" cap="none" spc="0" baseline="0">
-              <a:solidFill>
-                <a:srgbClr val="000000"/>
-              </a:solidFill>
-              <a:uFillTx/>
-              <a:latin typeface="Calibri"/>
-            </a:endParaRPr>
-          </a:p>
-        </p:txBody>
-      </p:sp>
-      <p:cxnSp>
-        <p:nvCxnSpPr>
-          <p:cNvPr id="13" name="Gerader Verbinder 44">
-            <a:extLst>
-              <a:ext uri="{FF2B5EF4-FFF2-40B4-BE49-F238E27FC236}">
-                <a16:creationId xmlns:a16="http://schemas.microsoft.com/office/drawing/2014/main" id="{0EB86A55-C54F-75F3-5B5F-A22EBEF50035}"/>
-              </a:ext>
-            </a:extLst>
-          </p:cNvPr>
-          <p:cNvCxnSpPr>
-            <a:stCxn id="8" idx="3"/>
-          </p:cNvCxnSpPr>
-          <p:nvPr/>
-        </p:nvCxnSpPr>
-        <p:spPr>
-          <a:xfrm flipH="1">
-            <a:off x="10622721" y="7600090"/>
-            <a:ext cx="1204393" cy="0"/>
-          </a:xfrm>
-          <a:prstGeom prst="straightConnector1">
-            <a:avLst/>
-          </a:prstGeom>
-          <a:noFill/>
-          <a:ln w="127001" cap="flat">
-            <a:solidFill>
-              <a:srgbClr val="000000"/>
-            </a:solidFill>
-            <a:prstDash val="solid"/>
-            <a:miter/>
-          </a:ln>
-        </p:spPr>
-      </p:cxnSp>
-      <p:sp>
-        <p:nvSpPr>
-          <p:cNvPr id="14" name="Rechteck: abgerundete Ecken 45">
-            <a:extLst>
-              <a:ext uri="{FF2B5EF4-FFF2-40B4-BE49-F238E27FC236}">
-                <a16:creationId xmlns:a16="http://schemas.microsoft.com/office/drawing/2014/main" id="{D0B5D044-9CE0-4F20-D3F4-78F90DE6E029}"/>
-              </a:ext>
-            </a:extLst>
-          </p:cNvPr>
-          <p:cNvSpPr/>
-          <p:nvPr/>
-        </p:nvSpPr>
-        <p:spPr>
-          <a:xfrm>
-            <a:off x="1150388" y="17743986"/>
-            <a:ext cx="9472333" cy="13389604"/>
-          </a:xfrm>
-          <a:custGeom>
-            <a:avLst>
-              <a:gd name="f0" fmla="val 1490"/>
-            </a:avLst>
-            <a:gdLst>
-              <a:gd name="f1" fmla="val 10800000"/>
-              <a:gd name="f2" fmla="val 5400000"/>
-              <a:gd name="f3" fmla="val 16200000"/>
-              <a:gd name="f4" fmla="val w"/>
-              <a:gd name="f5" fmla="val h"/>
-              <a:gd name="f6" fmla="val ss"/>
-              <a:gd name="f7" fmla="val 0"/>
-              <a:gd name="f8" fmla="*/ 5419351 1 1725033"/>
-              <a:gd name="f9" fmla="val 45"/>
-              <a:gd name="f10" fmla="val 10800"/>
-              <a:gd name="f11" fmla="val -2147483647"/>
-              <a:gd name="f12" fmla="val 2147483647"/>
-              <a:gd name="f13" fmla="abs f4"/>
-              <a:gd name="f14" fmla="abs f5"/>
-              <a:gd name="f15" fmla="abs f6"/>
-              <a:gd name="f16" fmla="*/ f8 1 180"/>
-              <a:gd name="f17" fmla="pin 0 f0 10800"/>
-              <a:gd name="f18" fmla="+- 0 0 f2"/>
-              <a:gd name="f19" fmla="?: f13 f4 1"/>
-              <a:gd name="f20" fmla="?: f14 f5 1"/>
-              <a:gd name="f21" fmla="?: f15 f6 1"/>
-              <a:gd name="f22" fmla="*/ f9 f16 1"/>
-              <a:gd name="f23" fmla="+- f7 f17 0"/>
-              <a:gd name="f24" fmla="*/ f19 1 21600"/>
-              <a:gd name="f25" fmla="*/ f20 1 21600"/>
-              <a:gd name="f26" fmla="*/ 21600 f19 1"/>
-              <a:gd name="f27" fmla="*/ 21600 f20 1"/>
-              <a:gd name="f28" fmla="+- 0 0 f22"/>
-              <a:gd name="f29" fmla="min f25 f24"/>
-              <a:gd name="f30" fmla="*/ f26 1 f21"/>
-              <a:gd name="f31" fmla="*/ f27 1 f21"/>
-              <a:gd name="f32" fmla="*/ f28 f1 1"/>
-              <a:gd name="f33" fmla="*/ f32 1 f8"/>
-              <a:gd name="f34" fmla="+- f31 0 f17"/>
-              <a:gd name="f35" fmla="+- f30 0 f17"/>
-              <a:gd name="f36" fmla="*/ f17 f29 1"/>
-              <a:gd name="f37" fmla="*/ f7 f29 1"/>
-              <a:gd name="f38" fmla="*/ f23 f29 1"/>
-              <a:gd name="f39" fmla="*/ f31 f29 1"/>
-              <a:gd name="f40" fmla="*/ f30 f29 1"/>
-              <a:gd name="f41" fmla="+- f33 0 f2"/>
-              <a:gd name="f42" fmla="+- f37 0 f38"/>
-              <a:gd name="f43" fmla="+- f38 0 f37"/>
-              <a:gd name="f44" fmla="*/ f34 f29 1"/>
-              <a:gd name="f45" fmla="*/ f35 f29 1"/>
-              <a:gd name="f46" fmla="cos 1 f41"/>
-              <a:gd name="f47" fmla="abs f42"/>
-              <a:gd name="f48" fmla="abs f43"/>
-              <a:gd name="f49" fmla="?: f42 f18 f2"/>
-              <a:gd name="f50" fmla="?: f42 f2 f18"/>
-              <a:gd name="f51" fmla="?: f42 f3 f2"/>
-              <a:gd name="f52" fmla="?: f42 f2 f3"/>
-              <a:gd name="f53" fmla="+- f39 0 f44"/>
-              <a:gd name="f54" fmla="?: f43 f18 f2"/>
-              <a:gd name="f55" fmla="?: f43 f2 f18"/>
-              <a:gd name="f56" fmla="+- f40 0 f45"/>
-              <a:gd name="f57" fmla="+- f44 0 f39"/>
-              <a:gd name="f58" fmla="+- f45 0 f40"/>
-              <a:gd name="f59" fmla="?: f42 0 f1"/>
-              <a:gd name="f60" fmla="?: f42 f1 0"/>
-              <a:gd name="f61" fmla="+- 0 0 f46"/>
-              <a:gd name="f62" fmla="?: f42 f52 f51"/>
-              <a:gd name="f63" fmla="?: f42 f51 f52"/>
-              <a:gd name="f64" fmla="?: f43 f50 f49"/>
-              <a:gd name="f65" fmla="abs f53"/>
-              <a:gd name="f66" fmla="?: f53 0 f1"/>
-              <a:gd name="f67" fmla="?: f53 f1 0"/>
-              <a:gd name="f68" fmla="?: f53 f54 f55"/>
-              <a:gd name="f69" fmla="abs f56"/>
-              <a:gd name="f70" fmla="abs f57"/>
-              <a:gd name="f71" fmla="?: f56 f18 f2"/>
-              <a:gd name="f72" fmla="?: f56 f2 f18"/>
-              <a:gd name="f73" fmla="?: f56 f3 f2"/>
-              <a:gd name="f74" fmla="?: f56 f2 f3"/>
-              <a:gd name="f75" fmla="abs f58"/>
-              <a:gd name="f76" fmla="?: f58 f18 f2"/>
-              <a:gd name="f77" fmla="?: f58 f2 f18"/>
-              <a:gd name="f78" fmla="?: f58 f60 f59"/>
-              <a:gd name="f79" fmla="?: f58 f59 f60"/>
-              <a:gd name="f80" fmla="*/ f17 f61 1"/>
-              <a:gd name="f81" fmla="?: f43 f63 f62"/>
-              <a:gd name="f82" fmla="?: f43 f67 f66"/>
-              <a:gd name="f83" fmla="?: f43 f66 f67"/>
-              <a:gd name="f84" fmla="?: f56 f74 f73"/>
-              <a:gd name="f85" fmla="?: f56 f73 f74"/>
-              <a:gd name="f86" fmla="?: f57 f72 f71"/>
-              <a:gd name="f87" fmla="?: f42 f78 f79"/>
-              <a:gd name="f88" fmla="?: f42 f76 f77"/>
-              <a:gd name="f89" fmla="*/ f80 3163 1"/>
-              <a:gd name="f90" fmla="?: f53 f82 f83"/>
-              <a:gd name="f91" fmla="?: f57 f85 f84"/>
-              <a:gd name="f92" fmla="*/ f89 1 7636"/>
-              <a:gd name="f93" fmla="+- f7 f92 0"/>
-              <a:gd name="f94" fmla="+- f30 0 f92"/>
-              <a:gd name="f95" fmla="+- f31 0 f92"/>
-              <a:gd name="f96" fmla="*/ f93 f29 1"/>
-              <a:gd name="f97" fmla="*/ f94 f29 1"/>
-              <a:gd name="f98" fmla="*/ f95 f29 1"/>
-            </a:gdLst>
-            <a:ahLst>
-              <a:ahXY gdRefX="f0" minX="f7" maxX="f10">
-                <a:pos x="f36" y="f37"/>
-              </a:ahXY>
-            </a:ahLst>
-            <a:cxnLst>
-              <a:cxn ang="3cd4">
-                <a:pos x="hc" y="t"/>
-              </a:cxn>
-              <a:cxn ang="0">
-                <a:pos x="r" y="vc"/>
-              </a:cxn>
-              <a:cxn ang="cd4">
-                <a:pos x="hc" y="b"/>
-              </a:cxn>
-              <a:cxn ang="cd2">
-                <a:pos x="l" y="vc"/>
-              </a:cxn>
-            </a:cxnLst>
-            <a:rect l="f96" t="f96" r="f97" b="f98"/>
-            <a:pathLst>
-              <a:path>
-                <a:moveTo>
-                  <a:pt x="f38" y="f37"/>
-                </a:moveTo>
-                <a:arcTo wR="f47" hR="f48" stAng="f81" swAng="f64"/>
-                <a:lnTo>
-                  <a:pt x="f37" y="f44"/>
-                </a:lnTo>
-                <a:arcTo wR="f48" hR="f65" stAng="f90" swAng="f68"/>
-                <a:lnTo>
-                  <a:pt x="f45" y="f39"/>
-                </a:lnTo>
-                <a:arcTo wR="f69" hR="f70" stAng="f91" swAng="f86"/>
-                <a:lnTo>
-                  <a:pt x="f40" y="f38"/>
-                </a:lnTo>
-                <a:arcTo wR="f75" hR="f47" stAng="f87" swAng="f88"/>
-                <a:close/>
-              </a:path>
-            </a:pathLst>
-          </a:custGeom>
-          <a:noFill/>
-          <a:ln w="127001" cap="flat">
-            <a:solidFill>
-              <a:srgbClr val="000000"/>
-            </a:solidFill>
-            <a:prstDash val="solid"/>
-            <a:miter/>
-          </a:ln>
-        </p:spPr>
-        <p:txBody>
-          <a:bodyPr vert="horz" wrap="square" lIns="91440" tIns="45720" rIns="91440" bIns="45720" anchor="ctr" anchorCtr="0" compatLnSpc="1">
-            <a:noAutofit/>
-          </a:bodyPr>
-          <a:lstStyle/>
-          <a:p>
-            <a:pPr marL="0" marR="0" lvl="0" indent="0" algn="l" defTabSz="457200" rtl="0" fontAlgn="auto" hangingPunct="1">
-              <a:lnSpc>
-                <a:spcPct val="100000"/>
-              </a:lnSpc>
-              <a:spcBef>
-                <a:spcPts val="0"/>
-              </a:spcBef>
-              <a:spcAft>
-                <a:spcPts val="0"/>
-              </a:spcAft>
-              <a:buNone/>
-              <a:tabLst/>
-              <a:defRPr sz="1800" b="0" i="0" u="none" strike="noStrike" kern="0" cap="none" spc="0" baseline="0">
-                <a:solidFill>
-                  <a:srgbClr val="000000"/>
-                </a:solidFill>
-                <a:uFillTx/>
-              </a:defRPr>
-            </a:pPr>
-            <a:endParaRPr lang="de-DE" sz="5400" b="0" i="0" u="none" strike="noStrike" kern="1200" cap="none" spc="0" baseline="0">
-              <a:solidFill>
-                <a:srgbClr val="000000"/>
-              </a:solidFill>
-              <a:uFillTx/>
-              <a:latin typeface="Calibri"/>
-            </a:endParaRPr>
-          </a:p>
-        </p:txBody>
-      </p:sp>
-      <p:sp>
-        <p:nvSpPr>
-          <p:cNvPr id="15" name="Rechteck: abgerundete Ecken 47">
-            <a:extLst>
-              <a:ext uri="{FF2B5EF4-FFF2-40B4-BE49-F238E27FC236}">
-                <a16:creationId xmlns:a16="http://schemas.microsoft.com/office/drawing/2014/main" id="{259573FD-2D71-1C57-B028-BA6649B5D35D}"/>
-              </a:ext>
-            </a:extLst>
-          </p:cNvPr>
-          <p:cNvSpPr/>
-          <p:nvPr/>
-        </p:nvSpPr>
-        <p:spPr>
-          <a:xfrm>
-            <a:off x="11822844" y="19400028"/>
-            <a:ext cx="12235284" cy="20962857"/>
-          </a:xfrm>
-          <a:custGeom>
-            <a:avLst>
-              <a:gd name="f0" fmla="val 982"/>
-            </a:avLst>
-            <a:gdLst>
-              <a:gd name="f1" fmla="val 10800000"/>
-              <a:gd name="f2" fmla="val 5400000"/>
-              <a:gd name="f3" fmla="val 16200000"/>
-              <a:gd name="f4" fmla="val w"/>
-              <a:gd name="f5" fmla="val h"/>
-              <a:gd name="f6" fmla="val ss"/>
-              <a:gd name="f7" fmla="val 0"/>
-              <a:gd name="f8" fmla="*/ 5419351 1 1725033"/>
-              <a:gd name="f9" fmla="val 45"/>
-              <a:gd name="f10" fmla="val 10800"/>
-              <a:gd name="f11" fmla="val -2147483647"/>
-              <a:gd name="f12" fmla="val 2147483647"/>
-              <a:gd name="f13" fmla="abs f4"/>
-              <a:gd name="f14" fmla="abs f5"/>
-              <a:gd name="f15" fmla="abs f6"/>
-              <a:gd name="f16" fmla="*/ f8 1 180"/>
-              <a:gd name="f17" fmla="pin 0 f0 10800"/>
-              <a:gd name="f18" fmla="+- 0 0 f2"/>
-              <a:gd name="f19" fmla="?: f13 f4 1"/>
-              <a:gd name="f20" fmla="?: f14 f5 1"/>
-              <a:gd name="f21" fmla="?: f15 f6 1"/>
-              <a:gd name="f22" fmla="*/ f9 f16 1"/>
-              <a:gd name="f23" fmla="+- f7 f17 0"/>
-              <a:gd name="f24" fmla="*/ f19 1 21600"/>
-              <a:gd name="f25" fmla="*/ f20 1 21600"/>
-              <a:gd name="f26" fmla="*/ 21600 f19 1"/>
-              <a:gd name="f27" fmla="*/ 21600 f20 1"/>
-              <a:gd name="f28" fmla="+- 0 0 f22"/>
-              <a:gd name="f29" fmla="min f25 f24"/>
-              <a:gd name="f30" fmla="*/ f26 1 f21"/>
-              <a:gd name="f31" fmla="*/ f27 1 f21"/>
-              <a:gd name="f32" fmla="*/ f28 f1 1"/>
-              <a:gd name="f33" fmla="*/ f32 1 f8"/>
-              <a:gd name="f34" fmla="+- f31 0 f17"/>
-              <a:gd name="f35" fmla="+- f30 0 f17"/>
-              <a:gd name="f36" fmla="*/ f17 f29 1"/>
-              <a:gd name="f37" fmla="*/ f7 f29 1"/>
-              <a:gd name="f38" fmla="*/ f23 f29 1"/>
-              <a:gd name="f39" fmla="*/ f31 f29 1"/>
-              <a:gd name="f40" fmla="*/ f30 f29 1"/>
-              <a:gd name="f41" fmla="+- f33 0 f2"/>
-              <a:gd name="f42" fmla="+- f37 0 f38"/>
-              <a:gd name="f43" fmla="+- f38 0 f37"/>
-              <a:gd name="f44" fmla="*/ f34 f29 1"/>
-              <a:gd name="f45" fmla="*/ f35 f29 1"/>
-              <a:gd name="f46" fmla="cos 1 f41"/>
-              <a:gd name="f47" fmla="abs f42"/>
-              <a:gd name="f48" fmla="abs f43"/>
-              <a:gd name="f49" fmla="?: f42 f18 f2"/>
-              <a:gd name="f50" fmla="?: f42 f2 f18"/>
-              <a:gd name="f51" fmla="?: f42 f3 f2"/>
-              <a:gd name="f52" fmla="?: f42 f2 f3"/>
-              <a:gd name="f53" fmla="+- f39 0 f44"/>
-              <a:gd name="f54" fmla="?: f43 f18 f2"/>
-              <a:gd name="f55" fmla="?: f43 f2 f18"/>
-              <a:gd name="f56" fmla="+- f40 0 f45"/>
-              <a:gd name="f57" fmla="+- f44 0 f39"/>
-              <a:gd name="f58" fmla="+- f45 0 f40"/>
-              <a:gd name="f59" fmla="?: f42 0 f1"/>
-              <a:gd name="f60" fmla="?: f42 f1 0"/>
-              <a:gd name="f61" fmla="+- 0 0 f46"/>
-              <a:gd name="f62" fmla="?: f42 f52 f51"/>
-              <a:gd name="f63" fmla="?: f42 f51 f52"/>
-              <a:gd name="f64" fmla="?: f43 f50 f49"/>
-              <a:gd name="f65" fmla="abs f53"/>
-              <a:gd name="f66" fmla="?: f53 0 f1"/>
-              <a:gd name="f67" fmla="?: f53 f1 0"/>
-              <a:gd name="f68" fmla="?: f53 f54 f55"/>
-              <a:gd name="f69" fmla="abs f56"/>
-              <a:gd name="f70" fmla="abs f57"/>
-              <a:gd name="f71" fmla="?: f56 f18 f2"/>
-              <a:gd name="f72" fmla="?: f56 f2 f18"/>
-              <a:gd name="f73" fmla="?: f56 f3 f2"/>
-              <a:gd name="f74" fmla="?: f56 f2 f3"/>
-              <a:gd name="f75" fmla="abs f58"/>
-              <a:gd name="f76" fmla="?: f58 f18 f2"/>
-              <a:gd name="f77" fmla="?: f58 f2 f18"/>
-              <a:gd name="f78" fmla="?: f58 f60 f59"/>
-              <a:gd name="f79" fmla="?: f58 f59 f60"/>
-              <a:gd name="f80" fmla="*/ f17 f61 1"/>
-              <a:gd name="f81" fmla="?: f43 f63 f62"/>
-              <a:gd name="f82" fmla="?: f43 f67 f66"/>
-              <a:gd name="f83" fmla="?: f43 f66 f67"/>
-              <a:gd name="f84" fmla="?: f56 f74 f73"/>
-              <a:gd name="f85" fmla="?: f56 f73 f74"/>
-              <a:gd name="f86" fmla="?: f57 f72 f71"/>
-              <a:gd name="f87" fmla="?: f42 f78 f79"/>
-              <a:gd name="f88" fmla="?: f42 f76 f77"/>
-              <a:gd name="f89" fmla="*/ f80 3163 1"/>
-              <a:gd name="f90" fmla="?: f53 f82 f83"/>
-              <a:gd name="f91" fmla="?: f57 f85 f84"/>
-              <a:gd name="f92" fmla="*/ f89 1 7636"/>
-              <a:gd name="f93" fmla="+- f7 f92 0"/>
-              <a:gd name="f94" fmla="+- f30 0 f92"/>
-              <a:gd name="f95" fmla="+- f31 0 f92"/>
-              <a:gd name="f96" fmla="*/ f93 f29 1"/>
-              <a:gd name="f97" fmla="*/ f94 f29 1"/>
-              <a:gd name="f98" fmla="*/ f95 f29 1"/>
-            </a:gdLst>
-            <a:ahLst>
-              <a:ahXY gdRefX="f0" minX="f7" maxX="f10">
-                <a:pos x="f36" y="f37"/>
-              </a:ahXY>
-            </a:ahLst>
-            <a:cxnLst>
-              <a:cxn ang="3cd4">
-                <a:pos x="hc" y="t"/>
-              </a:cxn>
-              <a:cxn ang="0">
-                <a:pos x="r" y="vc"/>
-              </a:cxn>
-              <a:cxn ang="cd4">
-                <a:pos x="hc" y="b"/>
-              </a:cxn>
-              <a:cxn ang="cd2">
-                <a:pos x="l" y="vc"/>
-              </a:cxn>
-            </a:cxnLst>
-            <a:rect l="f96" t="f96" r="f97" b="f98"/>
-            <a:pathLst>
-              <a:path>
-                <a:moveTo>
-                  <a:pt x="f38" y="f37"/>
-                </a:moveTo>
-                <a:arcTo wR="f47" hR="f48" stAng="f81" swAng="f64"/>
-                <a:lnTo>
-                  <a:pt x="f37" y="f44"/>
-                </a:lnTo>
-                <a:arcTo wR="f48" hR="f65" stAng="f90" swAng="f68"/>
-                <a:lnTo>
-                  <a:pt x="f45" y="f39"/>
-                </a:lnTo>
-                <a:arcTo wR="f69" hR="f70" stAng="f91" swAng="f86"/>
-                <a:lnTo>
-                  <a:pt x="f40" y="f38"/>
-                </a:lnTo>
-                <a:arcTo wR="f75" hR="f47" stAng="f87" swAng="f88"/>
-                <a:close/>
-              </a:path>
-            </a:pathLst>
-          </a:custGeom>
-          <a:noFill/>
-          <a:ln w="127001" cap="flat">
-            <a:solidFill>
-              <a:srgbClr val="000000"/>
-            </a:solidFill>
-            <a:prstDash val="solid"/>
-            <a:miter/>
-          </a:ln>
-        </p:spPr>
-        <p:txBody>
-          <a:bodyPr vert="horz" wrap="square" lIns="91440" tIns="45720" rIns="91440" bIns="45720" anchor="ctr" anchorCtr="0" compatLnSpc="1">
-            <a:noAutofit/>
-          </a:bodyPr>
-          <a:lstStyle/>
-          <a:p>
-            <a:pPr marL="0" marR="0" lvl="0" indent="0" algn="l" defTabSz="457200" rtl="0" fontAlgn="auto" hangingPunct="1">
-              <a:lnSpc>
-                <a:spcPct val="100000"/>
-              </a:lnSpc>
-              <a:spcBef>
-                <a:spcPts val="0"/>
-              </a:spcBef>
-              <a:spcAft>
-                <a:spcPts val="0"/>
-              </a:spcAft>
-              <a:buNone/>
-              <a:tabLst/>
-              <a:defRPr sz="1800" b="0" i="0" u="none" strike="noStrike" kern="0" cap="none" spc="0" baseline="0">
-                <a:solidFill>
-                  <a:srgbClr val="000000"/>
-                </a:solidFill>
-                <a:uFillTx/>
-              </a:defRPr>
-            </a:pPr>
-            <a:endParaRPr lang="de-DE" sz="5400" b="0" i="0" u="none" strike="noStrike" kern="1200" cap="none" spc="0" baseline="0">
-              <a:solidFill>
-                <a:srgbClr val="000000"/>
-              </a:solidFill>
-              <a:uFillTx/>
-              <a:latin typeface="Calibri"/>
-            </a:endParaRPr>
-          </a:p>
-        </p:txBody>
-      </p:sp>
-      <p:cxnSp>
-        <p:nvCxnSpPr>
-          <p:cNvPr id="16" name="Gerader Verbinder 67">
-            <a:extLst>
-              <a:ext uri="{FF2B5EF4-FFF2-40B4-BE49-F238E27FC236}">
-                <a16:creationId xmlns:a16="http://schemas.microsoft.com/office/drawing/2014/main" id="{F42D9E64-1431-4B16-E773-C7651B830DF0}"/>
-              </a:ext>
-            </a:extLst>
-          </p:cNvPr>
-          <p:cNvCxnSpPr/>
-          <p:nvPr/>
-        </p:nvCxnSpPr>
-        <p:spPr>
-          <a:xfrm flipV="1">
-            <a:off x="17940482" y="9451292"/>
-            <a:ext cx="0" cy="556577"/>
-          </a:xfrm>
-          <a:prstGeom prst="straightConnector1">
-            <a:avLst/>
-          </a:prstGeom>
-          <a:noFill/>
-          <a:ln w="127001" cap="flat">
-            <a:solidFill>
-              <a:srgbClr val="000000"/>
-            </a:solidFill>
-            <a:prstDash val="solid"/>
-            <a:miter/>
-          </a:ln>
-        </p:spPr>
-      </p:cxnSp>
-      <p:cxnSp>
-        <p:nvCxnSpPr>
-          <p:cNvPr id="17" name="Gerader Verbinder 69">
-            <a:extLst>
-              <a:ext uri="{FF2B5EF4-FFF2-40B4-BE49-F238E27FC236}">
-                <a16:creationId xmlns:a16="http://schemas.microsoft.com/office/drawing/2014/main" id="{D6D762DF-83CB-055A-3571-FB1DA8E51B16}"/>
-              </a:ext>
-            </a:extLst>
-          </p:cNvPr>
-          <p:cNvCxnSpPr/>
-          <p:nvPr/>
-        </p:nvCxnSpPr>
-        <p:spPr>
-          <a:xfrm flipV="1">
-            <a:off x="17940482" y="18854534"/>
-            <a:ext cx="0" cy="556577"/>
-          </a:xfrm>
-          <a:prstGeom prst="straightConnector1">
-            <a:avLst/>
-          </a:prstGeom>
-          <a:noFill/>
-          <a:ln w="127001" cap="flat">
-            <a:solidFill>
-              <a:srgbClr val="000000"/>
-            </a:solidFill>
-            <a:prstDash val="solid"/>
-            <a:miter/>
-          </a:ln>
-        </p:spPr>
-      </p:cxnSp>
-      <p:cxnSp>
-        <p:nvCxnSpPr>
-          <p:cNvPr id="18" name="Gerader Verbinder 71">
-            <a:extLst>
-              <a:ext uri="{FF2B5EF4-FFF2-40B4-BE49-F238E27FC236}">
-                <a16:creationId xmlns:a16="http://schemas.microsoft.com/office/drawing/2014/main" id="{BEC360AA-CE99-8989-F2E3-B32298E115EC}"/>
-              </a:ext>
-            </a:extLst>
-          </p:cNvPr>
-          <p:cNvCxnSpPr/>
-          <p:nvPr/>
-        </p:nvCxnSpPr>
-        <p:spPr>
-          <a:xfrm flipV="1">
-            <a:off x="5886559" y="17193673"/>
-            <a:ext cx="0" cy="556586"/>
-          </a:xfrm>
-          <a:prstGeom prst="straightConnector1">
-            <a:avLst/>
-          </a:prstGeom>
-          <a:noFill/>
-          <a:ln w="127001" cap="flat">
-            <a:solidFill>
-              <a:srgbClr val="000000"/>
-            </a:solidFill>
-            <a:prstDash val="solid"/>
-            <a:miter/>
-          </a:ln>
-        </p:spPr>
-      </p:cxnSp>
-      <p:sp>
-        <p:nvSpPr>
-          <p:cNvPr id="19" name="Rechteck: abgerundete Ecken 72">
-            <a:extLst>
-              <a:ext uri="{FF2B5EF4-FFF2-40B4-BE49-F238E27FC236}">
-                <a16:creationId xmlns:a16="http://schemas.microsoft.com/office/drawing/2014/main" id="{66AB6AB1-39FE-73CC-822C-71C25C219CE1}"/>
-              </a:ext>
-            </a:extLst>
-          </p:cNvPr>
-          <p:cNvSpPr/>
-          <p:nvPr/>
-        </p:nvSpPr>
-        <p:spPr>
-          <a:xfrm>
-            <a:off x="1146117" y="31527313"/>
-            <a:ext cx="9472333" cy="8835572"/>
-          </a:xfrm>
-          <a:custGeom>
-            <a:avLst>
-              <a:gd name="f0" fmla="val 1536"/>
-            </a:avLst>
-            <a:gdLst>
-              <a:gd name="f1" fmla="val 10800000"/>
-              <a:gd name="f2" fmla="val 5400000"/>
-              <a:gd name="f3" fmla="val 16200000"/>
-              <a:gd name="f4" fmla="val w"/>
-              <a:gd name="f5" fmla="val h"/>
-              <a:gd name="f6" fmla="val ss"/>
-              <a:gd name="f7" fmla="val 0"/>
-              <a:gd name="f8" fmla="*/ 5419351 1 1725033"/>
-              <a:gd name="f9" fmla="val 45"/>
-              <a:gd name="f10" fmla="val 10800"/>
-              <a:gd name="f11" fmla="val -2147483647"/>
-              <a:gd name="f12" fmla="val 2147483647"/>
-              <a:gd name="f13" fmla="abs f4"/>
-              <a:gd name="f14" fmla="abs f5"/>
-              <a:gd name="f15" fmla="abs f6"/>
-              <a:gd name="f16" fmla="*/ f8 1 180"/>
-              <a:gd name="f17" fmla="pin 0 f0 10800"/>
-              <a:gd name="f18" fmla="+- 0 0 f2"/>
-              <a:gd name="f19" fmla="?: f13 f4 1"/>
-              <a:gd name="f20" fmla="?: f14 f5 1"/>
-              <a:gd name="f21" fmla="?: f15 f6 1"/>
-              <a:gd name="f22" fmla="*/ f9 f16 1"/>
-              <a:gd name="f23" fmla="+- f7 f17 0"/>
-              <a:gd name="f24" fmla="*/ f19 1 21600"/>
-              <a:gd name="f25" fmla="*/ f20 1 21600"/>
-              <a:gd name="f26" fmla="*/ 21600 f19 1"/>
-              <a:gd name="f27" fmla="*/ 21600 f20 1"/>
-              <a:gd name="f28" fmla="+- 0 0 f22"/>
-              <a:gd name="f29" fmla="min f25 f24"/>
-              <a:gd name="f30" fmla="*/ f26 1 f21"/>
-              <a:gd name="f31" fmla="*/ f27 1 f21"/>
-              <a:gd name="f32" fmla="*/ f28 f1 1"/>
-              <a:gd name="f33" fmla="*/ f32 1 f8"/>
-              <a:gd name="f34" fmla="+- f31 0 f17"/>
-              <a:gd name="f35" fmla="+- f30 0 f17"/>
-              <a:gd name="f36" fmla="*/ f17 f29 1"/>
-              <a:gd name="f37" fmla="*/ f7 f29 1"/>
-              <a:gd name="f38" fmla="*/ f23 f29 1"/>
-              <a:gd name="f39" fmla="*/ f31 f29 1"/>
-              <a:gd name="f40" fmla="*/ f30 f29 1"/>
-              <a:gd name="f41" fmla="+- f33 0 f2"/>
-              <a:gd name="f42" fmla="+- f37 0 f38"/>
-              <a:gd name="f43" fmla="+- f38 0 f37"/>
-              <a:gd name="f44" fmla="*/ f34 f29 1"/>
-              <a:gd name="f45" fmla="*/ f35 f29 1"/>
-              <a:gd name="f46" fmla="cos 1 f41"/>
-              <a:gd name="f47" fmla="abs f42"/>
-              <a:gd name="f48" fmla="abs f43"/>
-              <a:gd name="f49" fmla="?: f42 f18 f2"/>
-              <a:gd name="f50" fmla="?: f42 f2 f18"/>
-              <a:gd name="f51" fmla="?: f42 f3 f2"/>
-              <a:gd name="f52" fmla="?: f42 f2 f3"/>
-              <a:gd name="f53" fmla="+- f39 0 f44"/>
-              <a:gd name="f54" fmla="?: f43 f18 f2"/>
-              <a:gd name="f55" fmla="?: f43 f2 f18"/>
-              <a:gd name="f56" fmla="+- f40 0 f45"/>
-              <a:gd name="f57" fmla="+- f44 0 f39"/>
-              <a:gd name="f58" fmla="+- f45 0 f40"/>
-              <a:gd name="f59" fmla="?: f42 0 f1"/>
-              <a:gd name="f60" fmla="?: f42 f1 0"/>
-              <a:gd name="f61" fmla="+- 0 0 f46"/>
-              <a:gd name="f62" fmla="?: f42 f52 f51"/>
-              <a:gd name="f63" fmla="?: f42 f51 f52"/>
-              <a:gd name="f64" fmla="?: f43 f50 f49"/>
-              <a:gd name="f65" fmla="abs f53"/>
-              <a:gd name="f66" fmla="?: f53 0 f1"/>
-              <a:gd name="f67" fmla="?: f53 f1 0"/>
-              <a:gd name="f68" fmla="?: f53 f54 f55"/>
-              <a:gd name="f69" fmla="abs f56"/>
-              <a:gd name="f70" fmla="abs f57"/>
-              <a:gd name="f71" fmla="?: f56 f18 f2"/>
-              <a:gd name="f72" fmla="?: f56 f2 f18"/>
-              <a:gd name="f73" fmla="?: f56 f3 f2"/>
-              <a:gd name="f74" fmla="?: f56 f2 f3"/>
-              <a:gd name="f75" fmla="abs f58"/>
-              <a:gd name="f76" fmla="?: f58 f18 f2"/>
-              <a:gd name="f77" fmla="?: f58 f2 f18"/>
-              <a:gd name="f78" fmla="?: f58 f60 f59"/>
-              <a:gd name="f79" fmla="?: f58 f59 f60"/>
-              <a:gd name="f80" fmla="*/ f17 f61 1"/>
-              <a:gd name="f81" fmla="?: f43 f63 f62"/>
-              <a:gd name="f82" fmla="?: f43 f67 f66"/>
-              <a:gd name="f83" fmla="?: f43 f66 f67"/>
-              <a:gd name="f84" fmla="?: f56 f74 f73"/>
-              <a:gd name="f85" fmla="?: f56 f73 f74"/>
-              <a:gd name="f86" fmla="?: f57 f72 f71"/>
-              <a:gd name="f87" fmla="?: f42 f78 f79"/>
-              <a:gd name="f88" fmla="?: f42 f76 f77"/>
-              <a:gd name="f89" fmla="*/ f80 3163 1"/>
-              <a:gd name="f90" fmla="?: f53 f82 f83"/>
-              <a:gd name="f91" fmla="?: f57 f85 f84"/>
-              <a:gd name="f92" fmla="*/ f89 1 7636"/>
-              <a:gd name="f93" fmla="+- f7 f92 0"/>
-              <a:gd name="f94" fmla="+- f30 0 f92"/>
-              <a:gd name="f95" fmla="+- f31 0 f92"/>
-              <a:gd name="f96" fmla="*/ f93 f29 1"/>
-              <a:gd name="f97" fmla="*/ f94 f29 1"/>
-              <a:gd name="f98" fmla="*/ f95 f29 1"/>
-            </a:gdLst>
-            <a:ahLst>
-              <a:ahXY gdRefX="f0" minX="f7" maxX="f10">
-                <a:pos x="f36" y="f37"/>
-              </a:ahXY>
-            </a:ahLst>
-            <a:cxnLst>
-              <a:cxn ang="3cd4">
-                <a:pos x="hc" y="t"/>
-              </a:cxn>
-              <a:cxn ang="0">
-                <a:pos x="r" y="vc"/>
-              </a:cxn>
-              <a:cxn ang="cd4">
-                <a:pos x="hc" y="b"/>
-              </a:cxn>
-              <a:cxn ang="cd2">
-                <a:pos x="l" y="vc"/>
-              </a:cxn>
-            </a:cxnLst>
-            <a:rect l="f96" t="f96" r="f97" b="f98"/>
-            <a:pathLst>
-              <a:path>
-                <a:moveTo>
-                  <a:pt x="f38" y="f37"/>
-                </a:moveTo>
-                <a:arcTo wR="f47" hR="f48" stAng="f81" swAng="f64"/>
-                <a:lnTo>
-                  <a:pt x="f37" y="f44"/>
-                </a:lnTo>
-                <a:arcTo wR="f48" hR="f65" stAng="f90" swAng="f68"/>
-                <a:lnTo>
-                  <a:pt x="f45" y="f39"/>
-                </a:lnTo>
-                <a:arcTo wR="f69" hR="f70" stAng="f91" swAng="f86"/>
-                <a:lnTo>
-                  <a:pt x="f40" y="f38"/>
-                </a:lnTo>
-                <a:arcTo wR="f75" hR="f47" stAng="f87" swAng="f88"/>
-                <a:close/>
-              </a:path>
-            </a:pathLst>
-          </a:custGeom>
-          <a:noFill/>
-          <a:ln w="127001" cap="flat">
-            <a:solidFill>
-              <a:srgbClr val="000000"/>
-            </a:solidFill>
-            <a:prstDash val="solid"/>
-            <a:miter/>
-          </a:ln>
-        </p:spPr>
-        <p:txBody>
-          <a:bodyPr vert="horz" wrap="square" lIns="91440" tIns="45720" rIns="91440" bIns="45720" anchor="ctr" anchorCtr="0" compatLnSpc="1">
-            <a:noAutofit/>
-          </a:bodyPr>
-          <a:lstStyle/>
-          <a:p>
-            <a:pPr marL="0" marR="0" lvl="0" indent="0" algn="l" defTabSz="457200" rtl="0" fontAlgn="auto" hangingPunct="1">
-              <a:lnSpc>
-                <a:spcPct val="100000"/>
-              </a:lnSpc>
-              <a:spcBef>
-                <a:spcPts val="0"/>
-              </a:spcBef>
-              <a:spcAft>
-                <a:spcPts val="0"/>
-              </a:spcAft>
-              <a:buNone/>
-              <a:tabLst/>
-              <a:defRPr sz="1800" b="0" i="0" u="none" strike="noStrike" kern="0" cap="none" spc="0" baseline="0">
-                <a:solidFill>
-                  <a:srgbClr val="000000"/>
-                </a:solidFill>
-                <a:uFillTx/>
-              </a:defRPr>
-            </a:pPr>
-            <a:r>
-              <a:rPr lang="de-DE" sz="5400" b="0" i="0" u="none" strike="noStrike" kern="1200" cap="none" spc="0" baseline="0">
-                <a:solidFill>
-                  <a:srgbClr val="000000"/>
-                </a:solidFill>
-                <a:uFillTx/>
-                <a:latin typeface="Calibri"/>
-              </a:rPr>
-              <a:t>Am Ende der </a:t>
-            </a:r>
-            <a:r>
-              <a:rPr lang="de-DE" sz="5400" b="1" i="0" u="none" strike="noStrike" kern="1200" cap="none" spc="0" baseline="0">
-                <a:solidFill>
-                  <a:srgbClr val="000000"/>
-                </a:solidFill>
-                <a:uFillTx/>
-                <a:latin typeface="Calibri"/>
-              </a:rPr>
-              <a:t>transpile() </a:t>
-            </a:r>
-            <a:r>
-              <a:rPr lang="de-DE" sz="5400" b="0" i="0" u="none" strike="noStrike" kern="1200" cap="none" spc="0" baseline="0">
-                <a:solidFill>
-                  <a:srgbClr val="000000"/>
-                </a:solidFill>
-                <a:uFillTx/>
-                <a:latin typeface="Calibri"/>
-              </a:rPr>
-              <a:t>Funktion wird der Code für den PC in e</a:t>
-            </a:r>
-            <a:r>
-              <a:rPr lang="de-DE" sz="5400" b="1" i="0" u="none" strike="noStrike" kern="1200" cap="none" spc="0" baseline="0">
-                <a:solidFill>
-                  <a:srgbClr val="000000"/>
-                </a:solidFill>
-                <a:uFillTx/>
-                <a:latin typeface="Calibri"/>
-              </a:rPr>
-              <a:t>i</a:t>
-            </a:r>
-            <a:r>
-              <a:rPr lang="de-DE" sz="5400" b="0" i="0" u="none" strike="noStrike" kern="1200" cap="none" spc="0" baseline="0">
-                <a:solidFill>
-                  <a:srgbClr val="000000"/>
-                </a:solidFill>
-                <a:uFillTx/>
-                <a:latin typeface="Calibri"/>
-              </a:rPr>
-              <a:t>ne C++ Datei geschrieben, der für den Arduino in eine .ino Datei. Diese werden dann vom jeweiligen Compiler kompiliert und auf den Arduino hochgeladen bzw. auf dem PC ausgeführt.</a:t>
-            </a:r>
-          </a:p>
-        </p:txBody>
-      </p:sp>
-      <p:cxnSp>
-        <p:nvCxnSpPr>
-          <p:cNvPr id="20" name="Gerader Verbinder 73">
-            <a:extLst>
-              <a:ext uri="{FF2B5EF4-FFF2-40B4-BE49-F238E27FC236}">
-                <a16:creationId xmlns:a16="http://schemas.microsoft.com/office/drawing/2014/main" id="{19BF3BD3-D265-1B96-FFF9-802C47D49266}"/>
-              </a:ext>
-            </a:extLst>
-          </p:cNvPr>
-          <p:cNvCxnSpPr/>
-          <p:nvPr/>
-        </p:nvCxnSpPr>
-        <p:spPr>
-          <a:xfrm flipH="1">
-            <a:off x="10618451" y="35956649"/>
-            <a:ext cx="1204393" cy="0"/>
-          </a:xfrm>
-          <a:prstGeom prst="straightConnector1">
-            <a:avLst/>
-          </a:prstGeom>
-          <a:noFill/>
-          <a:ln w="127001" cap="flat">
-            <a:solidFill>
-              <a:srgbClr val="000000"/>
-            </a:solidFill>
-            <a:prstDash val="solid"/>
-            <a:miter/>
-          </a:ln>
-        </p:spPr>
-      </p:cxnSp>
-      <p:cxnSp>
-        <p:nvCxnSpPr>
-          <p:cNvPr id="22" name="Gerader Verbinder 67">
-            <a:extLst>
-              <a:ext uri="{FF2B5EF4-FFF2-40B4-BE49-F238E27FC236}">
-                <a16:creationId xmlns:a16="http://schemas.microsoft.com/office/drawing/2014/main" id="{A9100D53-F68F-5D2A-817B-CA564E04ADBB}"/>
-              </a:ext>
-            </a:extLst>
-          </p:cNvPr>
-          <p:cNvCxnSpPr/>
-          <p:nvPr/>
-        </p:nvCxnSpPr>
-        <p:spPr>
-          <a:xfrm flipV="1">
-            <a:off x="5882283" y="5253389"/>
-            <a:ext cx="0" cy="556577"/>
-          </a:xfrm>
-          <a:prstGeom prst="straightConnector1">
-            <a:avLst/>
-          </a:prstGeom>
-          <a:noFill/>
-          <a:ln w="127001" cap="flat">
-            <a:solidFill>
-              <a:srgbClr val="000000"/>
-            </a:solidFill>
-            <a:prstDash val="solid"/>
-            <a:miter/>
-          </a:ln>
-        </p:spPr>
-      </p:cxnSp>
-      <p:pic>
-        <p:nvPicPr>
-          <p:cNvPr id="250" name="Grafik 249">
-            <a:extLst>
-              <a:ext uri="{FF2B5EF4-FFF2-40B4-BE49-F238E27FC236}">
-                <a16:creationId xmlns:a16="http://schemas.microsoft.com/office/drawing/2014/main" id="{14A1FCAD-FFEC-31FD-E76F-9BD6598786F5}"/>
-              </a:ext>
-            </a:extLst>
-          </p:cNvPr>
-          <p:cNvPicPr>
-            <a:picLocks noChangeAspect="1"/>
-          </p:cNvPicPr>
-          <p:nvPr/>
-        </p:nvPicPr>
-        <p:blipFill>
-          <a:blip r:embed="rId3">
-            <a:extLst>
-              <a:ext uri="{28A0092B-C50C-407E-A947-70E740481C1C}">
-                <a14:useLocalDpi xmlns:a14="http://schemas.microsoft.com/office/drawing/2010/main" val="0"/>
-              </a:ext>
-              <a:ext uri="{96DAC541-7B7A-43D3-8B79-37D633B846F1}">
-                <asvg:svgBlip xmlns:asvg="http://schemas.microsoft.com/office/drawing/2016/SVG/main" r:embed="rId4"/>
-              </a:ext>
-            </a:extLst>
-          </a:blip>
-          <a:stretch>
-            <a:fillRect/>
-          </a:stretch>
-        </p:blipFill>
-        <p:spPr>
-          <a:xfrm>
-            <a:off x="273680" y="5495232"/>
-            <a:ext cx="11271123" cy="12574143"/>
-          </a:xfrm>
-          <a:prstGeom prst="rect">
-            <a:avLst/>
-          </a:prstGeom>
-        </p:spPr>
-      </p:pic>
-      <p:pic>
-        <p:nvPicPr>
-          <p:cNvPr id="252" name="Grafik 251">
-            <a:extLst>
-              <a:ext uri="{FF2B5EF4-FFF2-40B4-BE49-F238E27FC236}">
-                <a16:creationId xmlns:a16="http://schemas.microsoft.com/office/drawing/2014/main" id="{F65C1FEE-8308-0235-FB31-69F7EFCCC490}"/>
-              </a:ext>
-            </a:extLst>
-          </p:cNvPr>
-          <p:cNvPicPr>
-            <a:picLocks noChangeAspect="1"/>
-          </p:cNvPicPr>
-          <p:nvPr/>
-        </p:nvPicPr>
-        <p:blipFill rotWithShape="1">
-          <a:blip r:embed="rId5">
-            <a:extLst>
-              <a:ext uri="{28A0092B-C50C-407E-A947-70E740481C1C}">
-                <a14:useLocalDpi xmlns:a14="http://schemas.microsoft.com/office/drawing/2010/main" val="0"/>
-              </a:ext>
-              <a:ext uri="{96DAC541-7B7A-43D3-8B79-37D633B846F1}">
-                <asvg:svgBlip xmlns:asvg="http://schemas.microsoft.com/office/drawing/2016/SVG/main" r:embed="rId6"/>
-              </a:ext>
-            </a:extLst>
-          </a:blip>
-          <a:srcRect l="7343" t="4750" r="9786" b="3099"/>
-          <a:stretch/>
-        </p:blipFill>
-        <p:spPr>
-          <a:xfrm>
-            <a:off x="1377156" y="17877132"/>
-            <a:ext cx="9003005" cy="13283287"/>
-          </a:xfrm>
-          <a:prstGeom prst="rect">
-            <a:avLst/>
-          </a:prstGeom>
-        </p:spPr>
-      </p:pic>
-      <p:pic>
-        <p:nvPicPr>
-          <p:cNvPr id="254" name="Grafik 253">
-            <a:extLst>
-              <a:ext uri="{FF2B5EF4-FFF2-40B4-BE49-F238E27FC236}">
-                <a16:creationId xmlns:a16="http://schemas.microsoft.com/office/drawing/2014/main" id="{53A8810E-1B27-BECB-C681-6F00642F5144}"/>
-              </a:ext>
-            </a:extLst>
-          </p:cNvPr>
-          <p:cNvPicPr>
-            <a:picLocks noChangeAspect="1"/>
-          </p:cNvPicPr>
-          <p:nvPr/>
-        </p:nvPicPr>
-        <p:blipFill rotWithShape="1">
-          <a:blip r:embed="rId7">
-            <a:extLst>
-              <a:ext uri="{28A0092B-C50C-407E-A947-70E740481C1C}">
-                <a14:useLocalDpi xmlns:a14="http://schemas.microsoft.com/office/drawing/2010/main" val="0"/>
-              </a:ext>
-              <a:ext uri="{96DAC541-7B7A-43D3-8B79-37D633B846F1}">
-                <asvg:svgBlip xmlns:asvg="http://schemas.microsoft.com/office/drawing/2016/SVG/main" r:embed="rId8"/>
-              </a:ext>
-            </a:extLst>
-          </a:blip>
-          <a:srcRect l="6223" t="2597" r="7184" b="3420"/>
-          <a:stretch/>
-        </p:blipFill>
-        <p:spPr>
-          <a:xfrm>
-            <a:off x="11834365" y="19422206"/>
-            <a:ext cx="11988454" cy="20940679"/>
-          </a:xfrm>
-          <a:prstGeom prst="rect">
-            <a:avLst/>
-          </a:prstGeom>
-        </p:spPr>
-      </p:pic>
-    </p:spTree>
-  </p:cSld>
-  <p:clrMapOvr>
-    <a:masterClrMapping/>
-  </p:clrMapOvr>
-</p:sld>
-</file>
-
-<file path=ppt/slides/slide2.xml><?xml version="1.0" encoding="utf-8"?>
-<p:sld xmlns:a="http://schemas.openxmlformats.org/drawingml/2006/main" xmlns:r="http://schemas.openxmlformats.org/officeDocument/2006/relationships" xmlns:p="http://schemas.openxmlformats.org/presentationml/2006/main">
   <p:cSld name="Slide3">
     <p:spTree>
       <p:nvGrpSpPr>
@@ -7615,7 +5260,7 @@
         </p:nvSpPr>
         <p:spPr>
           <a:xfrm>
-            <a:off x="2471810" y="1186956"/>
+            <a:off x="2471810" y="1080000"/>
             <a:ext cx="20517087" cy="1551005"/>
           </a:xfrm>
           <a:custGeom>
